--- a/prezi/bakro_diploma1.pptx
+++ b/prezi/bakro_diploma1.pptx
@@ -5,25 +5,28 @@
     <p:sldMasterId id="2147484074" r:id="rId1"/>
   </p:sldMasterIdLst>
   <p:notesMasterIdLst>
-    <p:notesMasterId r:id="rId15"/>
+    <p:notesMasterId r:id="rId18"/>
   </p:notesMasterIdLst>
   <p:handoutMasterIdLst>
-    <p:handoutMasterId r:id="rId16"/>
+    <p:handoutMasterId r:id="rId19"/>
   </p:handoutMasterIdLst>
   <p:sldIdLst>
     <p:sldId id="256" r:id="rId2"/>
     <p:sldId id="257" r:id="rId3"/>
     <p:sldId id="258" r:id="rId4"/>
     <p:sldId id="259" r:id="rId5"/>
-    <p:sldId id="260" r:id="rId6"/>
-    <p:sldId id="261" r:id="rId7"/>
-    <p:sldId id="262" r:id="rId8"/>
-    <p:sldId id="263" r:id="rId9"/>
-    <p:sldId id="264" r:id="rId10"/>
-    <p:sldId id="265" r:id="rId11"/>
-    <p:sldId id="266" r:id="rId12"/>
-    <p:sldId id="267" r:id="rId13"/>
-    <p:sldId id="268" r:id="rId14"/>
+    <p:sldId id="269" r:id="rId6"/>
+    <p:sldId id="260" r:id="rId7"/>
+    <p:sldId id="261" r:id="rId8"/>
+    <p:sldId id="271" r:id="rId9"/>
+    <p:sldId id="262" r:id="rId10"/>
+    <p:sldId id="270" r:id="rId11"/>
+    <p:sldId id="263" r:id="rId12"/>
+    <p:sldId id="264" r:id="rId13"/>
+    <p:sldId id="265" r:id="rId14"/>
+    <p:sldId id="266" r:id="rId15"/>
+    <p:sldId id="267" r:id="rId16"/>
+    <p:sldId id="268" r:id="rId17"/>
   </p:sldIdLst>
   <p:sldSz cx="9144000" cy="6858000" type="screen4x3"/>
   <p:notesSz cx="6858000" cy="9144000"/>
@@ -125,7 +128,7 @@
   <p:extLst>
     <p:ext uri="{EFAFB233-063F-42B5-8137-9DF3F51BA10A}">
       <p15:sldGuideLst xmlns:p15="http://schemas.microsoft.com/office/powerpoint/2012/main">
-        <p15:guide id="1" orient="horz" pos="2160" userDrawn="1">
+        <p15:guide id="1" orient="horz" pos="2183" userDrawn="1">
           <p15:clr>
             <a:srgbClr val="A4A3A4"/>
           </p15:clr>
@@ -2801,13 +2804,18 @@
             <p:ph type="title"/>
           </p:nvPr>
         </p:nvSpPr>
-        <p:spPr/>
+        <p:spPr>
+          <a:xfrm>
+            <a:off x="822960" y="286605"/>
+            <a:ext cx="7543800" cy="728004"/>
+          </a:xfrm>
+        </p:spPr>
         <p:txBody>
           <a:bodyPr/>
           <a:lstStyle/>
           <a:p>
             <a:r>
-              <a:rPr lang="hu-HU" smtClean="0"/>
+              <a:rPr lang="hu-HU" dirty="0" smtClean="0"/>
               <a:t>Mintacím szerkesztése</a:t>
             </a:r>
             <a:endParaRPr lang="en-US" dirty="0"/>
@@ -3296,7 +3304,7 @@
           <a:lstStyle>
             <a:lvl1pPr marL="0" indent="0">
               <a:buNone/>
-              <a:defRPr sz="1500">
+              <a:defRPr sz="2400">
                 <a:solidFill>
                   <a:srgbClr val="FFFFFF"/>
                 </a:solidFill>
@@ -4128,44 +4136,6 @@
           </a:p>
         </p:txBody>
       </p:sp>
-      <p:cxnSp>
-        <p:nvCxnSpPr>
-          <p:cNvPr id="10" name="Straight Connector 9"/>
-          <p:cNvCxnSpPr/>
-          <p:nvPr/>
-        </p:nvCxnSpPr>
-        <p:spPr>
-          <a:xfrm>
-            <a:off x="895149" y="1737845"/>
-            <a:ext cx="7475220" cy="0"/>
-          </a:xfrm>
-          <a:prstGeom prst="line">
-            <a:avLst/>
-          </a:prstGeom>
-          <a:ln w="6350">
-            <a:solidFill>
-              <a:schemeClr val="tx1">
-                <a:lumMod val="50000"/>
-                <a:lumOff val="50000"/>
-              </a:schemeClr>
-            </a:solidFill>
-          </a:ln>
-        </p:spPr>
-        <p:style>
-          <a:lnRef idx="1">
-            <a:schemeClr val="accent1"/>
-          </a:lnRef>
-          <a:fillRef idx="0">
-            <a:schemeClr val="accent1"/>
-          </a:fillRef>
-          <a:effectRef idx="0">
-            <a:schemeClr val="accent1"/>
-          </a:effectRef>
-          <a:fontRef idx="minor">
-            <a:schemeClr val="tx1"/>
-          </a:fontRef>
-        </p:style>
-      </p:cxnSp>
     </p:spTree>
     <p:extLst>
       <p:ext uri="{BB962C8B-B14F-4D97-AF65-F5344CB8AC3E}">
@@ -4607,7 +4577,6 @@
               <a:rPr lang="hu-HU" sz="6600" dirty="0"/>
               <a:t>multiprocesszoros környezetben</a:t>
             </a:r>
-            <a:endParaRPr lang="hu-HU" sz="6600" dirty="0"/>
           </a:p>
         </p:txBody>
       </p:sp>
@@ -4635,27 +4604,7 @@
             </a:pPr>
             <a:r>
               <a:rPr lang="hu-HU" dirty="0" smtClean="0"/>
-              <a:t>Készítette:</a:t>
-            </a:r>
-            <a:r>
-              <a:rPr lang="hu-HU" dirty="0" smtClean="0"/>
-              <a:t>	</a:t>
-            </a:r>
-            <a:r>
-              <a:rPr lang="hu-HU" dirty="0" smtClean="0"/>
-              <a:t>B</a:t>
-            </a:r>
-            <a:r>
-              <a:rPr lang="hu-HU" dirty="0" smtClean="0"/>
-              <a:t>akró </a:t>
-            </a:r>
-            <a:r>
-              <a:rPr lang="hu-HU" dirty="0" smtClean="0"/>
-              <a:t>Nagy </a:t>
-            </a:r>
-            <a:r>
-              <a:rPr lang="hu-HU" dirty="0" smtClean="0"/>
-              <a:t>István</a:t>
+              <a:t>Készítette:	Bakró Nagy István</a:t>
             </a:r>
           </a:p>
           <a:p>
@@ -4751,54 +4700,57 @@
             <p:ph type="title"/>
           </p:nvPr>
         </p:nvSpPr>
-        <p:spPr/>
+        <p:spPr>
+          <a:xfrm>
+            <a:off x="822960" y="111241"/>
+            <a:ext cx="7543800" cy="728004"/>
+          </a:xfrm>
+        </p:spPr>
         <p:txBody>
           <a:bodyPr/>
           <a:lstStyle/>
           <a:p>
             <a:r>
               <a:rPr lang="hu-HU" dirty="0" smtClean="0"/>
-              <a:t>A</a:t>
-            </a:r>
-            <a:r>
-              <a:rPr lang="hu-HU" baseline="0" dirty="0" smtClean="0"/>
-              <a:t> </a:t>
-            </a:r>
-            <a:r>
-              <a:rPr lang="hu-HU" baseline="0" dirty="0" err="1" smtClean="0"/>
-              <a:t>host-program</a:t>
-            </a:r>
-            <a:r>
-              <a:rPr lang="hu-HU" baseline="0" dirty="0" smtClean="0"/>
-              <a:t> működése</a:t>
+              <a:t>Momentum módszer</a:t>
             </a:r>
             <a:endParaRPr lang="hu-HU" dirty="0"/>
           </a:p>
         </p:txBody>
       </p:sp>
-      <p:sp>
-        <p:nvSpPr>
-          <p:cNvPr id="3" name="Tartalom helye 2"/>
-          <p:cNvSpPr>
-            <a:spLocks noGrp="1"/>
-          </p:cNvSpPr>
-          <p:nvPr>
-            <p:ph idx="1"/>
-          </p:nvPr>
-        </p:nvSpPr>
-        <p:spPr/>
-        <p:txBody>
-          <a:bodyPr/>
-          <a:lstStyle/>
-          <a:p>
-            <a:endParaRPr lang="hu-HU"/>
-          </a:p>
-        </p:txBody>
-      </p:sp>
+      <p:pic>
+        <p:nvPicPr>
+          <p:cNvPr id="8" name="Kép 7"/>
+          <p:cNvPicPr>
+            <a:picLocks noChangeAspect="1"/>
+          </p:cNvPicPr>
+          <p:nvPr/>
+        </p:nvPicPr>
+        <p:blipFill rotWithShape="1">
+          <a:blip r:embed="rId2">
+            <a:extLst>
+              <a:ext uri="{28A0092B-C50C-407E-A947-70E740481C1C}">
+                <a14:useLocalDpi xmlns:a14="http://schemas.microsoft.com/office/drawing/2010/main" val="0"/>
+              </a:ext>
+            </a:extLst>
+          </a:blip>
+          <a:srcRect l="8928" t="736" r="8058" b="947"/>
+          <a:stretch/>
+        </p:blipFill>
+        <p:spPr>
+          <a:xfrm>
+            <a:off x="0" y="1702732"/>
+            <a:ext cx="9149325" cy="3019580"/>
+          </a:xfrm>
+          <a:prstGeom prst="rect">
+            <a:avLst/>
+          </a:prstGeom>
+        </p:spPr>
+      </p:pic>
     </p:spTree>
     <p:extLst>
       <p:ext uri="{BB962C8B-B14F-4D97-AF65-F5344CB8AC3E}">
-        <p14:creationId xmlns:p14="http://schemas.microsoft.com/office/powerpoint/2010/main" val="1470601006"/>
+        <p14:creationId xmlns:p14="http://schemas.microsoft.com/office/powerpoint/2010/main" val="2752519828"/>
       </p:ext>
     </p:extLst>
   </p:cSld>
@@ -4848,8 +4800,16 @@
           <a:lstStyle/>
           <a:p>
             <a:r>
-              <a:rPr lang="hu-HU" dirty="0" smtClean="0"/>
-              <a:t>A kernel működése</a:t>
+              <a:rPr lang="hu-HU" dirty="0" err="1" smtClean="0"/>
+              <a:t>OpenCL</a:t>
+            </a:r>
+            <a:r>
+              <a:rPr lang="hu-HU" baseline="0" dirty="0" smtClean="0"/>
+              <a:t> </a:t>
+            </a:r>
+            <a:r>
+              <a:rPr lang="hu-HU" baseline="0" dirty="0" smtClean="0"/>
+              <a:t>architektúrája</a:t>
             </a:r>
             <a:endParaRPr lang="hu-HU" dirty="0"/>
           </a:p>
@@ -4857,12 +4817,12 @@
       </p:sp>
       <p:sp>
         <p:nvSpPr>
-          <p:cNvPr id="3" name="Tartalom helye 2"/>
-          <p:cNvSpPr>
-            <a:spLocks noGrp="1"/>
-          </p:cNvSpPr>
-          <p:nvPr>
-            <p:ph idx="1"/>
+          <p:cNvPr id="4" name="Szöveg helye 3"/>
+          <p:cNvSpPr>
+            <a:spLocks noGrp="1"/>
+          </p:cNvSpPr>
+          <p:nvPr>
+            <p:ph type="body" idx="1"/>
           </p:nvPr>
         </p:nvSpPr>
         <p:spPr/>
@@ -4870,14 +4830,874 @@
           <a:bodyPr/>
           <a:lstStyle/>
           <a:p>
-            <a:endParaRPr lang="hu-HU"/>
-          </a:p>
-        </p:txBody>
-      </p:sp>
+            <a:pPr algn="ctr"/>
+            <a:r>
+              <a:rPr lang="hu-HU" dirty="0" smtClean="0"/>
+              <a:t>Eszköz architektúrája</a:t>
+            </a:r>
+            <a:endParaRPr lang="hu-HU" dirty="0"/>
+          </a:p>
+        </p:txBody>
+      </p:sp>
+      <p:pic>
+        <p:nvPicPr>
+          <p:cNvPr id="8" name="Tartalom helye 7"/>
+          <p:cNvPicPr>
+            <a:picLocks noGrp="1" noChangeAspect="1"/>
+          </p:cNvPicPr>
+          <p:nvPr>
+            <p:ph sz="half" idx="2"/>
+          </p:nvPr>
+        </p:nvPicPr>
+        <p:blipFill>
+          <a:blip r:embed="rId2">
+            <a:extLst>
+              <a:ext uri="{28A0092B-C50C-407E-A947-70E740481C1C}">
+                <a14:useLocalDpi xmlns:a14="http://schemas.microsoft.com/office/drawing/2010/main" val="0"/>
+              </a:ext>
+            </a:extLst>
+          </a:blip>
+          <a:stretch>
+            <a:fillRect/>
+          </a:stretch>
+        </p:blipFill>
+        <p:spPr>
+          <a:xfrm>
+            <a:off x="822642" y="2582334"/>
+            <a:ext cx="3703638" cy="2625524"/>
+          </a:xfrm>
+        </p:spPr>
+      </p:pic>
+      <p:sp>
+        <p:nvSpPr>
+          <p:cNvPr id="6" name="Szöveg helye 5"/>
+          <p:cNvSpPr>
+            <a:spLocks noGrp="1"/>
+          </p:cNvSpPr>
+          <p:nvPr>
+            <p:ph type="body" sz="quarter" idx="3"/>
+          </p:nvPr>
+        </p:nvSpPr>
+        <p:spPr/>
+        <p:txBody>
+          <a:bodyPr/>
+          <a:lstStyle/>
+          <a:p>
+            <a:pPr algn="ctr"/>
+            <a:r>
+              <a:rPr lang="hu-HU" dirty="0" smtClean="0"/>
+              <a:t>Memória szintek</a:t>
+            </a:r>
+            <a:endParaRPr lang="hu-HU" dirty="0"/>
+          </a:p>
+        </p:txBody>
+      </p:sp>
+      <p:graphicFrame>
+        <p:nvGraphicFramePr>
+          <p:cNvPr id="9" name="Tartalom helye 8"/>
+          <p:cNvGraphicFramePr>
+            <a:graphicFrameLocks noGrp="1"/>
+          </p:cNvGraphicFramePr>
+          <p:nvPr>
+            <p:ph sz="quarter" idx="4"/>
+            <p:extLst>
+              <p:ext uri="{D42A27DB-BD31-4B8C-83A1-F6EECF244321}">
+                <p14:modId xmlns:p14="http://schemas.microsoft.com/office/powerpoint/2010/main" val="3517709922"/>
+              </p:ext>
+            </p:extLst>
+          </p:nvPr>
+        </p:nvGraphicFramePr>
+        <p:xfrm>
+          <a:off x="4663440" y="2582334"/>
+          <a:ext cx="3920900" cy="2225040"/>
+        </p:xfrm>
+        <a:graphic>
+          <a:graphicData uri="http://schemas.openxmlformats.org/drawingml/2006/table">
+            <a:tbl>
+              <a:tblPr firstRow="1" bandRow="1">
+                <a:tableStyleId>{2D5ABB26-0587-4C30-8999-92F81FD0307C}</a:tableStyleId>
+              </a:tblPr>
+              <a:tblGrid>
+                <a:gridCol w="1070356"/>
+                <a:gridCol w="854737"/>
+                <a:gridCol w="944338"/>
+                <a:gridCol w="1051469"/>
+              </a:tblGrid>
+              <a:tr h="370840">
+                <a:tc rowSpan="2">
+                  <a:txBody>
+                    <a:bodyPr/>
+                    <a:lstStyle/>
+                    <a:p>
+                      <a:endParaRPr lang="hu-HU" dirty="0"/>
+                    </a:p>
+                  </a:txBody>
+                  <a:tcPr>
+                    <a:lnR w="12700" cap="flat" cmpd="sng" algn="ctr">
+                      <a:solidFill>
+                        <a:schemeClr val="tx1"/>
+                      </a:solidFill>
+                      <a:prstDash val="solid"/>
+                      <a:round/>
+                      <a:headEnd type="none" w="med" len="med"/>
+                      <a:tailEnd type="none" w="med" len="med"/>
+                    </a:lnR>
+                    <a:lnB w="12700" cap="flat" cmpd="sng" algn="ctr">
+                      <a:solidFill>
+                        <a:schemeClr val="tx1"/>
+                      </a:solidFill>
+                      <a:prstDash val="solid"/>
+                      <a:round/>
+                      <a:headEnd type="none" w="med" len="med"/>
+                      <a:tailEnd type="none" w="med" len="med"/>
+                    </a:lnB>
+                  </a:tcPr>
+                </a:tc>
+                <a:tc gridSpan="2">
+                  <a:txBody>
+                    <a:bodyPr/>
+                    <a:lstStyle/>
+                    <a:p>
+                      <a:pPr algn="ctr"/>
+                      <a:r>
+                        <a:rPr lang="hu-HU" dirty="0" smtClean="0"/>
+                        <a:t>Allokálás</a:t>
+                      </a:r>
+                      <a:endParaRPr lang="hu-HU" dirty="0"/>
+                    </a:p>
+                  </a:txBody>
+                  <a:tcPr>
+                    <a:lnL w="12700" cap="flat" cmpd="sng" algn="ctr">
+                      <a:solidFill>
+                        <a:schemeClr val="tx1"/>
+                      </a:solidFill>
+                      <a:prstDash val="solid"/>
+                      <a:round/>
+                      <a:headEnd type="none" w="med" len="med"/>
+                      <a:tailEnd type="none" w="med" len="med"/>
+                    </a:lnL>
+                    <a:lnR w="12700" cap="flat" cmpd="sng" algn="ctr">
+                      <a:solidFill>
+                        <a:schemeClr val="tx1"/>
+                      </a:solidFill>
+                      <a:prstDash val="solid"/>
+                      <a:round/>
+                      <a:headEnd type="none" w="med" len="med"/>
+                      <a:tailEnd type="none" w="med" len="med"/>
+                    </a:lnR>
+                  </a:tcPr>
+                </a:tc>
+                <a:tc hMerge="1">
+                  <a:txBody>
+                    <a:bodyPr/>
+                    <a:lstStyle/>
+                    <a:p>
+                      <a:endParaRPr lang="hu-HU" dirty="0"/>
+                    </a:p>
+                  </a:txBody>
+                  <a:tcPr/>
+                </a:tc>
+                <a:tc rowSpan="2">
+                  <a:txBody>
+                    <a:bodyPr/>
+                    <a:lstStyle/>
+                    <a:p>
+                      <a:r>
+                        <a:rPr lang="hu-HU" dirty="0" smtClean="0"/>
+                        <a:t>Sebesség</a:t>
+                      </a:r>
+                      <a:endParaRPr lang="hu-HU" dirty="0"/>
+                    </a:p>
+                  </a:txBody>
+                  <a:tcPr anchor="ctr">
+                    <a:lnL w="12700" cap="flat" cmpd="sng" algn="ctr">
+                      <a:solidFill>
+                        <a:schemeClr val="tx1"/>
+                      </a:solidFill>
+                      <a:prstDash val="solid"/>
+                      <a:round/>
+                      <a:headEnd type="none" w="med" len="med"/>
+                      <a:tailEnd type="none" w="med" len="med"/>
+                    </a:lnL>
+                    <a:lnB w="12700" cap="flat" cmpd="sng" algn="ctr">
+                      <a:solidFill>
+                        <a:schemeClr val="tx1"/>
+                      </a:solidFill>
+                      <a:prstDash val="solid"/>
+                      <a:round/>
+                      <a:headEnd type="none" w="med" len="med"/>
+                      <a:tailEnd type="none" w="med" len="med"/>
+                    </a:lnB>
+                  </a:tcPr>
+                </a:tc>
+              </a:tr>
+              <a:tr h="370840">
+                <a:tc vMerge="1">
+                  <a:txBody>
+                    <a:bodyPr/>
+                    <a:lstStyle/>
+                    <a:p>
+                      <a:endParaRPr lang="hu-HU" dirty="0"/>
+                    </a:p>
+                  </a:txBody>
+                  <a:tcPr/>
+                </a:tc>
+                <a:tc>
+                  <a:txBody>
+                    <a:bodyPr/>
+                    <a:lstStyle/>
+                    <a:p>
+                      <a:pPr algn="ctr"/>
+                      <a:r>
+                        <a:rPr lang="hu-HU" dirty="0" err="1" smtClean="0"/>
+                        <a:t>Hoszt</a:t>
+                      </a:r>
+                      <a:endParaRPr lang="hu-HU" dirty="0"/>
+                    </a:p>
+                  </a:txBody>
+                  <a:tcPr>
+                    <a:lnL w="12700" cap="flat" cmpd="sng" algn="ctr">
+                      <a:solidFill>
+                        <a:schemeClr val="tx1"/>
+                      </a:solidFill>
+                      <a:prstDash val="solid"/>
+                      <a:round/>
+                      <a:headEnd type="none" w="med" len="med"/>
+                      <a:tailEnd type="none" w="med" len="med"/>
+                    </a:lnL>
+                    <a:lnB w="12700" cap="flat" cmpd="sng" algn="ctr">
+                      <a:solidFill>
+                        <a:schemeClr val="tx1"/>
+                      </a:solidFill>
+                      <a:prstDash val="solid"/>
+                      <a:round/>
+                      <a:headEnd type="none" w="med" len="med"/>
+                      <a:tailEnd type="none" w="med" len="med"/>
+                    </a:lnB>
+                  </a:tcPr>
+                </a:tc>
+                <a:tc>
+                  <a:txBody>
+                    <a:bodyPr/>
+                    <a:lstStyle/>
+                    <a:p>
+                      <a:pPr algn="ctr"/>
+                      <a:r>
+                        <a:rPr lang="hu-HU" dirty="0" smtClean="0"/>
+                        <a:t>Kernel</a:t>
+                      </a:r>
+                      <a:endParaRPr lang="hu-HU" dirty="0"/>
+                    </a:p>
+                  </a:txBody>
+                  <a:tcPr>
+                    <a:lnR w="12700" cap="flat" cmpd="sng" algn="ctr">
+                      <a:solidFill>
+                        <a:schemeClr val="tx1"/>
+                      </a:solidFill>
+                      <a:prstDash val="solid"/>
+                      <a:round/>
+                      <a:headEnd type="none" w="med" len="med"/>
+                      <a:tailEnd type="none" w="med" len="med"/>
+                    </a:lnR>
+                    <a:lnB w="12700" cap="flat" cmpd="sng" algn="ctr">
+                      <a:solidFill>
+                        <a:schemeClr val="tx1"/>
+                      </a:solidFill>
+                      <a:prstDash val="solid"/>
+                      <a:round/>
+                      <a:headEnd type="none" w="med" len="med"/>
+                      <a:tailEnd type="none" w="med" len="med"/>
+                    </a:lnB>
+                  </a:tcPr>
+                </a:tc>
+                <a:tc vMerge="1">
+                  <a:txBody>
+                    <a:bodyPr/>
+                    <a:lstStyle/>
+                    <a:p>
+                      <a:endParaRPr lang="hu-HU" dirty="0"/>
+                    </a:p>
+                  </a:txBody>
+                  <a:tcPr/>
+                </a:tc>
+              </a:tr>
+              <a:tr h="370840">
+                <a:tc>
+                  <a:txBody>
+                    <a:bodyPr/>
+                    <a:lstStyle/>
+                    <a:p>
+                      <a:r>
+                        <a:rPr lang="hu-HU" dirty="0" smtClean="0"/>
+                        <a:t>Globális</a:t>
+                      </a:r>
+                      <a:endParaRPr lang="hu-HU" dirty="0"/>
+                    </a:p>
+                  </a:txBody>
+                  <a:tcPr>
+                    <a:lnR w="12700" cap="flat" cmpd="sng" algn="ctr">
+                      <a:solidFill>
+                        <a:schemeClr val="tx1"/>
+                      </a:solidFill>
+                      <a:prstDash val="solid"/>
+                      <a:round/>
+                      <a:headEnd type="none" w="med" len="med"/>
+                      <a:tailEnd type="none" w="med" len="med"/>
+                    </a:lnR>
+                    <a:lnT w="12700" cap="flat" cmpd="sng" algn="ctr">
+                      <a:solidFill>
+                        <a:schemeClr val="tx1"/>
+                      </a:solidFill>
+                      <a:prstDash val="solid"/>
+                      <a:round/>
+                      <a:headEnd type="none" w="med" len="med"/>
+                      <a:tailEnd type="none" w="med" len="med"/>
+                    </a:lnT>
+                  </a:tcPr>
+                </a:tc>
+                <a:tc>
+                  <a:txBody>
+                    <a:bodyPr/>
+                    <a:lstStyle/>
+                    <a:p>
+                      <a:pPr algn="ctr"/>
+                      <a:r>
+                        <a:rPr lang="hu-HU" dirty="0" smtClean="0"/>
+                        <a:t>Din</a:t>
+                      </a:r>
+                      <a:endParaRPr lang="hu-HU" dirty="0"/>
+                    </a:p>
+                  </a:txBody>
+                  <a:tcPr>
+                    <a:lnL w="12700" cap="flat" cmpd="sng" algn="ctr">
+                      <a:solidFill>
+                        <a:schemeClr val="tx1"/>
+                      </a:solidFill>
+                      <a:prstDash val="solid"/>
+                      <a:round/>
+                      <a:headEnd type="none" w="med" len="med"/>
+                      <a:tailEnd type="none" w="med" len="med"/>
+                    </a:lnL>
+                    <a:lnR w="12700" cap="flat" cmpd="sng" algn="ctr">
+                      <a:solidFill>
+                        <a:schemeClr val="tx1"/>
+                      </a:solidFill>
+                      <a:prstDash val="solid"/>
+                      <a:round/>
+                      <a:headEnd type="none" w="med" len="med"/>
+                      <a:tailEnd type="none" w="med" len="med"/>
+                    </a:lnR>
+                    <a:lnT w="12700" cap="flat" cmpd="sng" algn="ctr">
+                      <a:solidFill>
+                        <a:schemeClr val="tx1"/>
+                      </a:solidFill>
+                      <a:prstDash val="solid"/>
+                      <a:round/>
+                      <a:headEnd type="none" w="med" len="med"/>
+                      <a:tailEnd type="none" w="med" len="med"/>
+                    </a:lnT>
+                  </a:tcPr>
+                </a:tc>
+                <a:tc>
+                  <a:txBody>
+                    <a:bodyPr/>
+                    <a:lstStyle/>
+                    <a:p>
+                      <a:pPr algn="ctr"/>
+                      <a:r>
+                        <a:rPr lang="hu-HU" dirty="0" err="1" smtClean="0"/>
+                        <a:t>Statik</a:t>
+                      </a:r>
+                      <a:r>
+                        <a:rPr lang="hu-HU" dirty="0" smtClean="0"/>
+                        <a:t>.</a:t>
+                      </a:r>
+                      <a:endParaRPr lang="hu-HU" dirty="0"/>
+                    </a:p>
+                  </a:txBody>
+                  <a:tcPr>
+                    <a:lnL w="12700" cap="flat" cmpd="sng" algn="ctr">
+                      <a:solidFill>
+                        <a:schemeClr val="tx1"/>
+                      </a:solidFill>
+                      <a:prstDash val="solid"/>
+                      <a:round/>
+                      <a:headEnd type="none" w="med" len="med"/>
+                      <a:tailEnd type="none" w="med" len="med"/>
+                    </a:lnL>
+                    <a:lnR w="12700" cap="flat" cmpd="sng" algn="ctr">
+                      <a:solidFill>
+                        <a:schemeClr val="tx1"/>
+                      </a:solidFill>
+                      <a:prstDash val="solid"/>
+                      <a:round/>
+                      <a:headEnd type="none" w="med" len="med"/>
+                      <a:tailEnd type="none" w="med" len="med"/>
+                    </a:lnR>
+                    <a:lnT w="12700" cap="flat" cmpd="sng" algn="ctr">
+                      <a:solidFill>
+                        <a:schemeClr val="tx1"/>
+                      </a:solidFill>
+                      <a:prstDash val="solid"/>
+                      <a:round/>
+                      <a:headEnd type="none" w="med" len="med"/>
+                      <a:tailEnd type="none" w="med" len="med"/>
+                    </a:lnT>
+                  </a:tcPr>
+                </a:tc>
+                <a:tc>
+                  <a:txBody>
+                    <a:bodyPr/>
+                    <a:lstStyle/>
+                    <a:p>
+                      <a:r>
+                        <a:rPr lang="hu-HU" dirty="0" smtClean="0"/>
+                        <a:t>Lassú</a:t>
+                      </a:r>
+                      <a:endParaRPr lang="hu-HU" dirty="0"/>
+                    </a:p>
+                  </a:txBody>
+                  <a:tcPr>
+                    <a:lnL w="12700" cap="flat" cmpd="sng" algn="ctr">
+                      <a:solidFill>
+                        <a:schemeClr val="tx1"/>
+                      </a:solidFill>
+                      <a:prstDash val="solid"/>
+                      <a:round/>
+                      <a:headEnd type="none" w="med" len="med"/>
+                      <a:tailEnd type="none" w="med" len="med"/>
+                    </a:lnL>
+                    <a:lnT w="12700" cap="flat" cmpd="sng" algn="ctr">
+                      <a:solidFill>
+                        <a:schemeClr val="tx1"/>
+                      </a:solidFill>
+                      <a:prstDash val="solid"/>
+                      <a:round/>
+                      <a:headEnd type="none" w="med" len="med"/>
+                      <a:tailEnd type="none" w="med" len="med"/>
+                    </a:lnT>
+                  </a:tcPr>
+                </a:tc>
+              </a:tr>
+              <a:tr h="370840">
+                <a:tc>
+                  <a:txBody>
+                    <a:bodyPr/>
+                    <a:lstStyle/>
+                    <a:p>
+                      <a:r>
+                        <a:rPr lang="hu-HU" dirty="0" smtClean="0"/>
+                        <a:t>Konstans</a:t>
+                      </a:r>
+                      <a:endParaRPr lang="hu-HU" dirty="0"/>
+                    </a:p>
+                  </a:txBody>
+                  <a:tcPr>
+                    <a:lnR w="12700" cap="flat" cmpd="sng" algn="ctr">
+                      <a:solidFill>
+                        <a:schemeClr val="tx1"/>
+                      </a:solidFill>
+                      <a:prstDash val="solid"/>
+                      <a:round/>
+                      <a:headEnd type="none" w="med" len="med"/>
+                      <a:tailEnd type="none" w="med" len="med"/>
+                    </a:lnR>
+                  </a:tcPr>
+                </a:tc>
+                <a:tc>
+                  <a:txBody>
+                    <a:bodyPr/>
+                    <a:lstStyle/>
+                    <a:p>
+                      <a:pPr algn="ctr"/>
+                      <a:r>
+                        <a:rPr lang="hu-HU" dirty="0" smtClean="0"/>
+                        <a:t>Din</a:t>
+                      </a:r>
+                      <a:endParaRPr lang="hu-HU" dirty="0"/>
+                    </a:p>
+                  </a:txBody>
+                  <a:tcPr>
+                    <a:lnL w="12700" cap="flat" cmpd="sng" algn="ctr">
+                      <a:solidFill>
+                        <a:schemeClr val="tx1"/>
+                      </a:solidFill>
+                      <a:prstDash val="solid"/>
+                      <a:round/>
+                      <a:headEnd type="none" w="med" len="med"/>
+                      <a:tailEnd type="none" w="med" len="med"/>
+                    </a:lnL>
+                    <a:lnR w="12700" cap="flat" cmpd="sng" algn="ctr">
+                      <a:solidFill>
+                        <a:schemeClr val="tx1"/>
+                      </a:solidFill>
+                      <a:prstDash val="solid"/>
+                      <a:round/>
+                      <a:headEnd type="none" w="med" len="med"/>
+                      <a:tailEnd type="none" w="med" len="med"/>
+                    </a:lnR>
+                  </a:tcPr>
+                </a:tc>
+                <a:tc>
+                  <a:txBody>
+                    <a:bodyPr/>
+                    <a:lstStyle/>
+                    <a:p>
+                      <a:pPr marL="0" marR="0" indent="0" algn="ctr" defTabSz="914400" rtl="0" eaLnBrk="1" fontAlgn="auto" latinLnBrk="0" hangingPunct="1">
+                        <a:lnSpc>
+                          <a:spcPct val="100000"/>
+                        </a:lnSpc>
+                        <a:spcBef>
+                          <a:spcPts val="0"/>
+                        </a:spcBef>
+                        <a:spcAft>
+                          <a:spcPts val="0"/>
+                        </a:spcAft>
+                        <a:buClrTx/>
+                        <a:buSzTx/>
+                        <a:buFontTx/>
+                        <a:buNone/>
+                        <a:tabLst/>
+                        <a:defRPr/>
+                      </a:pPr>
+                      <a:r>
+                        <a:rPr lang="hu-HU" dirty="0" err="1" smtClean="0"/>
+                        <a:t>Statik</a:t>
+                      </a:r>
+                      <a:r>
+                        <a:rPr lang="hu-HU" dirty="0" smtClean="0"/>
+                        <a:t>.</a:t>
+                      </a:r>
+                    </a:p>
+                  </a:txBody>
+                  <a:tcPr>
+                    <a:lnL w="12700" cap="flat" cmpd="sng" algn="ctr">
+                      <a:solidFill>
+                        <a:schemeClr val="tx1"/>
+                      </a:solidFill>
+                      <a:prstDash val="solid"/>
+                      <a:round/>
+                      <a:headEnd type="none" w="med" len="med"/>
+                      <a:tailEnd type="none" w="med" len="med"/>
+                    </a:lnL>
+                    <a:lnR w="12700" cap="flat" cmpd="sng" algn="ctr">
+                      <a:solidFill>
+                        <a:schemeClr val="tx1"/>
+                      </a:solidFill>
+                      <a:prstDash val="solid"/>
+                      <a:round/>
+                      <a:headEnd type="none" w="med" len="med"/>
+                      <a:tailEnd type="none" w="med" len="med"/>
+                    </a:lnR>
+                  </a:tcPr>
+                </a:tc>
+                <a:tc>
+                  <a:txBody>
+                    <a:bodyPr/>
+                    <a:lstStyle/>
+                    <a:p>
+                      <a:r>
+                        <a:rPr lang="hu-HU" dirty="0" smtClean="0"/>
+                        <a:t>Gyors</a:t>
+                      </a:r>
+                      <a:endParaRPr lang="hu-HU" dirty="0"/>
+                    </a:p>
+                  </a:txBody>
+                  <a:tcPr>
+                    <a:lnL w="12700" cap="flat" cmpd="sng" algn="ctr">
+                      <a:solidFill>
+                        <a:schemeClr val="tx1"/>
+                      </a:solidFill>
+                      <a:prstDash val="solid"/>
+                      <a:round/>
+                      <a:headEnd type="none" w="med" len="med"/>
+                      <a:tailEnd type="none" w="med" len="med"/>
+                    </a:lnL>
+                  </a:tcPr>
+                </a:tc>
+              </a:tr>
+              <a:tr h="370840">
+                <a:tc>
+                  <a:txBody>
+                    <a:bodyPr/>
+                    <a:lstStyle/>
+                    <a:p>
+                      <a:r>
+                        <a:rPr lang="hu-HU" dirty="0" smtClean="0"/>
+                        <a:t>Lokális</a:t>
+                      </a:r>
+                      <a:endParaRPr lang="hu-HU" dirty="0"/>
+                    </a:p>
+                  </a:txBody>
+                  <a:tcPr>
+                    <a:lnR w="12700" cap="flat" cmpd="sng" algn="ctr">
+                      <a:solidFill>
+                        <a:schemeClr val="tx1"/>
+                      </a:solidFill>
+                      <a:prstDash val="solid"/>
+                      <a:round/>
+                      <a:headEnd type="none" w="med" len="med"/>
+                      <a:tailEnd type="none" w="med" len="med"/>
+                    </a:lnR>
+                  </a:tcPr>
+                </a:tc>
+                <a:tc>
+                  <a:txBody>
+                    <a:bodyPr/>
+                    <a:lstStyle/>
+                    <a:p>
+                      <a:pPr algn="ctr"/>
+                      <a:r>
+                        <a:rPr lang="hu-HU" dirty="0" smtClean="0"/>
+                        <a:t>Din</a:t>
+                      </a:r>
+                      <a:endParaRPr lang="hu-HU" dirty="0"/>
+                    </a:p>
+                  </a:txBody>
+                  <a:tcPr>
+                    <a:lnL w="12700" cap="flat" cmpd="sng" algn="ctr">
+                      <a:solidFill>
+                        <a:schemeClr val="tx1"/>
+                      </a:solidFill>
+                      <a:prstDash val="solid"/>
+                      <a:round/>
+                      <a:headEnd type="none" w="med" len="med"/>
+                      <a:tailEnd type="none" w="med" len="med"/>
+                    </a:lnL>
+                    <a:lnR w="12700" cap="flat" cmpd="sng" algn="ctr">
+                      <a:solidFill>
+                        <a:schemeClr val="tx1"/>
+                      </a:solidFill>
+                      <a:prstDash val="solid"/>
+                      <a:round/>
+                      <a:headEnd type="none" w="med" len="med"/>
+                      <a:tailEnd type="none" w="med" len="med"/>
+                    </a:lnR>
+                  </a:tcPr>
+                </a:tc>
+                <a:tc>
+                  <a:txBody>
+                    <a:bodyPr/>
+                    <a:lstStyle/>
+                    <a:p>
+                      <a:pPr marL="0" marR="0" indent="0" algn="ctr" defTabSz="914400" rtl="0" eaLnBrk="1" fontAlgn="auto" latinLnBrk="0" hangingPunct="1">
+                        <a:lnSpc>
+                          <a:spcPct val="100000"/>
+                        </a:lnSpc>
+                        <a:spcBef>
+                          <a:spcPts val="0"/>
+                        </a:spcBef>
+                        <a:spcAft>
+                          <a:spcPts val="0"/>
+                        </a:spcAft>
+                        <a:buClrTx/>
+                        <a:buSzTx/>
+                        <a:buFontTx/>
+                        <a:buNone/>
+                        <a:tabLst/>
+                        <a:defRPr/>
+                      </a:pPr>
+                      <a:r>
+                        <a:rPr lang="hu-HU" dirty="0" err="1" smtClean="0"/>
+                        <a:t>Statik</a:t>
+                      </a:r>
+                      <a:r>
+                        <a:rPr lang="hu-HU" dirty="0" smtClean="0"/>
+                        <a:t>.</a:t>
+                      </a:r>
+                    </a:p>
+                  </a:txBody>
+                  <a:tcPr>
+                    <a:lnL w="12700" cap="flat" cmpd="sng" algn="ctr">
+                      <a:solidFill>
+                        <a:schemeClr val="tx1"/>
+                      </a:solidFill>
+                      <a:prstDash val="solid"/>
+                      <a:round/>
+                      <a:headEnd type="none" w="med" len="med"/>
+                      <a:tailEnd type="none" w="med" len="med"/>
+                    </a:lnL>
+                    <a:lnR w="12700" cap="flat" cmpd="sng" algn="ctr">
+                      <a:solidFill>
+                        <a:schemeClr val="tx1"/>
+                      </a:solidFill>
+                      <a:prstDash val="solid"/>
+                      <a:round/>
+                      <a:headEnd type="none" w="med" len="med"/>
+                      <a:tailEnd type="none" w="med" len="med"/>
+                    </a:lnR>
+                  </a:tcPr>
+                </a:tc>
+                <a:tc>
+                  <a:txBody>
+                    <a:bodyPr/>
+                    <a:lstStyle/>
+                    <a:p>
+                      <a:r>
+                        <a:rPr lang="hu-HU" dirty="0" smtClean="0"/>
+                        <a:t>Gyors</a:t>
+                      </a:r>
+                      <a:endParaRPr lang="hu-HU" dirty="0"/>
+                    </a:p>
+                  </a:txBody>
+                  <a:tcPr>
+                    <a:lnL w="12700" cap="flat" cmpd="sng" algn="ctr">
+                      <a:solidFill>
+                        <a:schemeClr val="tx1"/>
+                      </a:solidFill>
+                      <a:prstDash val="solid"/>
+                      <a:round/>
+                      <a:headEnd type="none" w="med" len="med"/>
+                      <a:tailEnd type="none" w="med" len="med"/>
+                    </a:lnL>
+                  </a:tcPr>
+                </a:tc>
+              </a:tr>
+              <a:tr h="370840">
+                <a:tc>
+                  <a:txBody>
+                    <a:bodyPr/>
+                    <a:lstStyle/>
+                    <a:p>
+                      <a:r>
+                        <a:rPr lang="hu-HU" dirty="0" smtClean="0"/>
+                        <a:t>Privát</a:t>
+                      </a:r>
+                      <a:endParaRPr lang="hu-HU" dirty="0"/>
+                    </a:p>
+                  </a:txBody>
+                  <a:tcPr>
+                    <a:lnR w="12700" cap="flat" cmpd="sng" algn="ctr">
+                      <a:solidFill>
+                        <a:schemeClr val="tx1"/>
+                      </a:solidFill>
+                      <a:prstDash val="solid"/>
+                      <a:round/>
+                      <a:headEnd type="none" w="med" len="med"/>
+                      <a:tailEnd type="none" w="med" len="med"/>
+                    </a:lnR>
+                  </a:tcPr>
+                </a:tc>
+                <a:tc>
+                  <a:txBody>
+                    <a:bodyPr/>
+                    <a:lstStyle/>
+                    <a:p>
+                      <a:pPr algn="ctr"/>
+                      <a:r>
+                        <a:rPr lang="hu-HU" dirty="0" smtClean="0"/>
+                        <a:t>Din</a:t>
+                      </a:r>
+                      <a:endParaRPr lang="hu-HU" dirty="0"/>
+                    </a:p>
+                  </a:txBody>
+                  <a:tcPr>
+                    <a:lnL w="12700" cap="flat" cmpd="sng" algn="ctr">
+                      <a:solidFill>
+                        <a:schemeClr val="tx1"/>
+                      </a:solidFill>
+                      <a:prstDash val="solid"/>
+                      <a:round/>
+                      <a:headEnd type="none" w="med" len="med"/>
+                      <a:tailEnd type="none" w="med" len="med"/>
+                    </a:lnL>
+                    <a:lnR w="12700" cap="flat" cmpd="sng" algn="ctr">
+                      <a:solidFill>
+                        <a:schemeClr val="tx1"/>
+                      </a:solidFill>
+                      <a:prstDash val="solid"/>
+                      <a:round/>
+                      <a:headEnd type="none" w="med" len="med"/>
+                      <a:tailEnd type="none" w="med" len="med"/>
+                    </a:lnR>
+                  </a:tcPr>
+                </a:tc>
+                <a:tc>
+                  <a:txBody>
+                    <a:bodyPr/>
+                    <a:lstStyle/>
+                    <a:p>
+                      <a:pPr marL="0" marR="0" indent="0" algn="ctr" defTabSz="914400" rtl="0" eaLnBrk="1" fontAlgn="auto" latinLnBrk="0" hangingPunct="1">
+                        <a:lnSpc>
+                          <a:spcPct val="100000"/>
+                        </a:lnSpc>
+                        <a:spcBef>
+                          <a:spcPts val="0"/>
+                        </a:spcBef>
+                        <a:spcAft>
+                          <a:spcPts val="0"/>
+                        </a:spcAft>
+                        <a:buClrTx/>
+                        <a:buSzTx/>
+                        <a:buFontTx/>
+                        <a:buNone/>
+                        <a:tabLst/>
+                        <a:defRPr/>
+                      </a:pPr>
+                      <a:r>
+                        <a:rPr lang="hu-HU" dirty="0" err="1" smtClean="0"/>
+                        <a:t>Statik</a:t>
+                      </a:r>
+                      <a:r>
+                        <a:rPr lang="hu-HU" dirty="0" smtClean="0"/>
+                        <a:t>.</a:t>
+                      </a:r>
+                    </a:p>
+                  </a:txBody>
+                  <a:tcPr>
+                    <a:lnL w="12700" cap="flat" cmpd="sng" algn="ctr">
+                      <a:solidFill>
+                        <a:schemeClr val="tx1"/>
+                      </a:solidFill>
+                      <a:prstDash val="solid"/>
+                      <a:round/>
+                      <a:headEnd type="none" w="med" len="med"/>
+                      <a:tailEnd type="none" w="med" len="med"/>
+                    </a:lnL>
+                    <a:lnR w="12700" cap="flat" cmpd="sng" algn="ctr">
+                      <a:solidFill>
+                        <a:schemeClr val="tx1"/>
+                      </a:solidFill>
+                      <a:prstDash val="solid"/>
+                      <a:round/>
+                      <a:headEnd type="none" w="med" len="med"/>
+                      <a:tailEnd type="none" w="med" len="med"/>
+                    </a:lnR>
+                  </a:tcPr>
+                </a:tc>
+                <a:tc>
+                  <a:txBody>
+                    <a:bodyPr/>
+                    <a:lstStyle/>
+                    <a:p>
+                      <a:r>
+                        <a:rPr lang="hu-HU" dirty="0" smtClean="0"/>
+                        <a:t>Regiszter</a:t>
+                      </a:r>
+                      <a:endParaRPr lang="hu-HU" dirty="0"/>
+                    </a:p>
+                  </a:txBody>
+                  <a:tcPr>
+                    <a:lnL w="12700" cap="flat" cmpd="sng" algn="ctr">
+                      <a:solidFill>
+                        <a:schemeClr val="tx1"/>
+                      </a:solidFill>
+                      <a:prstDash val="solid"/>
+                      <a:round/>
+                      <a:headEnd type="none" w="med" len="med"/>
+                      <a:tailEnd type="none" w="med" len="med"/>
+                    </a:lnL>
+                  </a:tcPr>
+                </a:tc>
+              </a:tr>
+            </a:tbl>
+          </a:graphicData>
+        </a:graphic>
+      </p:graphicFrame>
     </p:spTree>
     <p:extLst>
       <p:ext uri="{BB962C8B-B14F-4D97-AF65-F5344CB8AC3E}">
-        <p14:creationId xmlns:p14="http://schemas.microsoft.com/office/powerpoint/2010/main" val="1746189968"/>
+        <p14:creationId xmlns:p14="http://schemas.microsoft.com/office/powerpoint/2010/main" val="1141550425"/>
       </p:ext>
     </p:extLst>
   </p:cSld>
@@ -4927,36 +5747,62 @@
           <a:lstStyle/>
           <a:p>
             <a:r>
+              <a:rPr lang="hu-HU" dirty="0" err="1" smtClean="0"/>
+              <a:t>OpenCL</a:t>
+            </a:r>
+            <a:r>
               <a:rPr lang="hu-HU" dirty="0" smtClean="0"/>
-              <a:t>Összehasonlítása</a:t>
+              <a:t> </a:t>
+            </a:r>
+            <a:r>
+              <a:rPr lang="hu-HU" dirty="0" err="1" smtClean="0"/>
+              <a:t>context</a:t>
+            </a:r>
+            <a:r>
+              <a:rPr lang="hu-HU" dirty="0" smtClean="0"/>
+              <a:t> </a:t>
+            </a:r>
+            <a:r>
+              <a:rPr lang="hu-HU" dirty="0" err="1" smtClean="0"/>
+              <a:t>osztálydiagrammja</a:t>
             </a:r>
             <a:endParaRPr lang="hu-HU" dirty="0"/>
           </a:p>
         </p:txBody>
       </p:sp>
-      <p:sp>
-        <p:nvSpPr>
-          <p:cNvPr id="3" name="Tartalom helye 2"/>
-          <p:cNvSpPr>
-            <a:spLocks noGrp="1"/>
-          </p:cNvSpPr>
+      <p:pic>
+        <p:nvPicPr>
+          <p:cNvPr id="4" name="Tartalom helye 3"/>
+          <p:cNvPicPr>
+            <a:picLocks noGrp="1" noChangeAspect="1"/>
+          </p:cNvPicPr>
           <p:nvPr>
             <p:ph idx="1"/>
           </p:nvPr>
-        </p:nvSpPr>
-        <p:spPr/>
-        <p:txBody>
-          <a:bodyPr/>
-          <a:lstStyle/>
-          <a:p>
-            <a:endParaRPr lang="hu-HU"/>
-          </a:p>
-        </p:txBody>
-      </p:sp>
+        </p:nvPicPr>
+        <p:blipFill>
+          <a:blip r:embed="rId2">
+            <a:extLst>
+              <a:ext uri="{28A0092B-C50C-407E-A947-70E740481C1C}">
+                <a14:useLocalDpi xmlns:a14="http://schemas.microsoft.com/office/drawing/2010/main" val="0"/>
+              </a:ext>
+            </a:extLst>
+          </a:blip>
+          <a:stretch>
+            <a:fillRect/>
+          </a:stretch>
+        </p:blipFill>
+        <p:spPr>
+          <a:xfrm>
+            <a:off x="2145812" y="1846263"/>
+            <a:ext cx="4896826" cy="4456112"/>
+          </a:xfrm>
+        </p:spPr>
+      </p:pic>
     </p:spTree>
     <p:extLst>
       <p:ext uri="{BB962C8B-B14F-4D97-AF65-F5344CB8AC3E}">
-        <p14:creationId xmlns:p14="http://schemas.microsoft.com/office/powerpoint/2010/main" val="3060521157"/>
+        <p14:creationId xmlns:p14="http://schemas.microsoft.com/office/powerpoint/2010/main" val="1927893044"/>
       </p:ext>
     </p:extLst>
   </p:cSld>
@@ -5007,7 +5853,19 @@
           <a:p>
             <a:r>
               <a:rPr lang="hu-HU" dirty="0" smtClean="0"/>
-              <a:t>Összegzés és kitekintés</a:t>
+              <a:t>A</a:t>
+            </a:r>
+            <a:r>
+              <a:rPr lang="hu-HU" baseline="0" dirty="0" smtClean="0"/>
+              <a:t> </a:t>
+            </a:r>
+            <a:r>
+              <a:rPr lang="hu-HU" baseline="0" dirty="0" err="1" smtClean="0"/>
+              <a:t>host-program</a:t>
+            </a:r>
+            <a:r>
+              <a:rPr lang="hu-HU" baseline="0" dirty="0" smtClean="0"/>
+              <a:t> működése</a:t>
             </a:r>
             <a:endParaRPr lang="hu-HU" dirty="0"/>
           </a:p>
@@ -5021,6 +5879,122 @@
           </p:cNvSpPr>
           <p:nvPr>
             <p:ph idx="1"/>
+          </p:nvPr>
+        </p:nvSpPr>
+        <p:spPr/>
+        <p:txBody>
+          <a:bodyPr>
+            <a:noAutofit/>
+          </a:bodyPr>
+          <a:lstStyle/>
+          <a:p>
+            <a:pPr>
+              <a:buFont typeface="Arial" panose="020B0604020202020204" pitchFamily="34" charset="0"/>
+              <a:buChar char="•"/>
+            </a:pPr>
+            <a:r>
+              <a:rPr lang="hu-HU" sz="3200" dirty="0" smtClean="0"/>
+              <a:t>Kép beolvasása</a:t>
+            </a:r>
+          </a:p>
+          <a:p>
+            <a:pPr>
+              <a:buFont typeface="Arial" panose="020B0604020202020204" pitchFamily="34" charset="0"/>
+              <a:buChar char="•"/>
+            </a:pPr>
+            <a:r>
+              <a:rPr lang="hu-HU" sz="3200" dirty="0" smtClean="0"/>
+              <a:t>Képek leküldése az eszköz globális memóriájába</a:t>
+            </a:r>
+          </a:p>
+          <a:p>
+            <a:pPr>
+              <a:buFont typeface="Arial" panose="020B0604020202020204" pitchFamily="34" charset="0"/>
+              <a:buChar char="•"/>
+            </a:pPr>
+            <a:r>
+              <a:rPr lang="hu-HU" sz="3200" dirty="0" smtClean="0"/>
+              <a:t>Kernel inicializálása és argumentumának beállítása</a:t>
+            </a:r>
+          </a:p>
+          <a:p>
+            <a:pPr>
+              <a:buFont typeface="Arial" panose="020B0604020202020204" pitchFamily="34" charset="0"/>
+              <a:buChar char="•"/>
+            </a:pPr>
+            <a:r>
+              <a:rPr lang="hu-HU" sz="3200" dirty="0" smtClean="0"/>
+              <a:t>Kernel futtatása</a:t>
+            </a:r>
+          </a:p>
+          <a:p>
+            <a:pPr>
+              <a:buFont typeface="Arial" panose="020B0604020202020204" pitchFamily="34" charset="0"/>
+              <a:buChar char="•"/>
+            </a:pPr>
+            <a:r>
+              <a:rPr lang="hu-HU" sz="3200" dirty="0" smtClean="0"/>
+              <a:t>Eredmény visszatöltése</a:t>
+            </a:r>
+          </a:p>
+          <a:p>
+            <a:pPr>
+              <a:buFont typeface="Arial" panose="020B0604020202020204" pitchFamily="34" charset="0"/>
+              <a:buChar char="•"/>
+            </a:pPr>
+            <a:r>
+              <a:rPr lang="hu-HU" sz="3200" dirty="0" smtClean="0"/>
+              <a:t>Posztprocesszálás</a:t>
+            </a:r>
+            <a:endParaRPr lang="hu-HU" sz="3200" dirty="0"/>
+          </a:p>
+        </p:txBody>
+      </p:sp>
+    </p:spTree>
+    <p:extLst>
+      <p:ext uri="{BB962C8B-B14F-4D97-AF65-F5344CB8AC3E}">
+        <p14:creationId xmlns:p14="http://schemas.microsoft.com/office/powerpoint/2010/main" val="1470601006"/>
+      </p:ext>
+    </p:extLst>
+  </p:cSld>
+  <p:clrMapOvr>
+    <a:masterClrMapping/>
+  </p:clrMapOvr>
+  <p:timing>
+    <p:tnLst>
+      <p:par>
+        <p:cTn id="1" dur="indefinite" restart="never" nodeType="tmRoot"/>
+      </p:par>
+    </p:tnLst>
+  </p:timing>
+</p:sld>
+</file>
+
+<file path=ppt/slides/slide14.xml><?xml version="1.0" encoding="utf-8"?>
+<p:sld xmlns:a="http://schemas.openxmlformats.org/drawingml/2006/main" xmlns:r="http://schemas.openxmlformats.org/officeDocument/2006/relationships" xmlns:p="http://schemas.openxmlformats.org/presentationml/2006/main">
+  <p:cSld>
+    <p:spTree>
+      <p:nvGrpSpPr>
+        <p:cNvPr id="1" name=""/>
+        <p:cNvGrpSpPr/>
+        <p:nvPr/>
+      </p:nvGrpSpPr>
+      <p:grpSpPr>
+        <a:xfrm>
+          <a:off x="0" y="0"/>
+          <a:ext cx="0" cy="0"/>
+          <a:chOff x="0" y="0"/>
+          <a:chExt cx="0" cy="0"/>
+        </a:xfrm>
+      </p:grpSpPr>
+      <p:sp>
+        <p:nvSpPr>
+          <p:cNvPr id="2" name="Cím 1"/>
+          <p:cNvSpPr>
+            <a:spLocks noGrp="1"/>
+          </p:cNvSpPr>
+          <p:nvPr>
+            <p:ph type="title"/>
           </p:nvPr>
         </p:nvSpPr>
         <p:spPr/>
@@ -5028,7 +6002,466 @@
           <a:bodyPr/>
           <a:lstStyle/>
           <a:p>
-            <a:endParaRPr lang="hu-HU"/>
+            <a:r>
+              <a:rPr lang="hu-HU" dirty="0" smtClean="0"/>
+              <a:t>A kernel működése</a:t>
+            </a:r>
+            <a:endParaRPr lang="hu-HU" dirty="0"/>
+          </a:p>
+        </p:txBody>
+      </p:sp>
+      <p:sp>
+        <p:nvSpPr>
+          <p:cNvPr id="3" name="Tartalom helye 2"/>
+          <p:cNvSpPr>
+            <a:spLocks noGrp="1"/>
+          </p:cNvSpPr>
+          <p:nvPr>
+            <p:ph idx="1"/>
+          </p:nvPr>
+        </p:nvSpPr>
+        <p:spPr/>
+        <p:txBody>
+          <a:bodyPr>
+            <a:normAutofit fontScale="92500" lnSpcReduction="20000"/>
+          </a:bodyPr>
+          <a:lstStyle/>
+          <a:p>
+            <a:pPr>
+              <a:buFont typeface="Arial" panose="020B0604020202020204" pitchFamily="34" charset="0"/>
+              <a:buChar char="•"/>
+            </a:pPr>
+            <a:r>
+              <a:rPr lang="hu-HU" sz="3200" dirty="0" err="1" smtClean="0"/>
+              <a:t>Work-item</a:t>
+            </a:r>
+            <a:r>
+              <a:rPr lang="hu-HU" sz="3200" dirty="0" smtClean="0"/>
+              <a:t> indexének meghatározása</a:t>
+            </a:r>
+          </a:p>
+          <a:p>
+            <a:pPr>
+              <a:buFont typeface="Arial" panose="020B0604020202020204" pitchFamily="34" charset="0"/>
+              <a:buChar char="•"/>
+            </a:pPr>
+            <a:r>
+              <a:rPr lang="hu-HU" sz="3200" dirty="0" smtClean="0"/>
+              <a:t>Medián szűrés:</a:t>
+            </a:r>
+          </a:p>
+          <a:p>
+            <a:pPr lvl="1">
+              <a:buFont typeface="Arial" panose="020B0604020202020204" pitchFamily="34" charset="0"/>
+              <a:buChar char="•"/>
+            </a:pPr>
+            <a:r>
+              <a:rPr lang="hu-HU" sz="3000" dirty="0" smtClean="0"/>
+              <a:t>Kép betöltése az A </a:t>
+            </a:r>
+            <a:r>
+              <a:rPr lang="hu-HU" sz="3000" dirty="0" err="1" smtClean="0"/>
+              <a:t>bufferbe</a:t>
+            </a:r>
+            <a:endParaRPr lang="hu-HU" sz="3000" dirty="0" smtClean="0"/>
+          </a:p>
+          <a:p>
+            <a:pPr lvl="1">
+              <a:buFont typeface="Arial" panose="020B0604020202020204" pitchFamily="34" charset="0"/>
+              <a:buChar char="•"/>
+            </a:pPr>
+            <a:r>
+              <a:rPr lang="hu-HU" sz="3000" dirty="0" smtClean="0"/>
+              <a:t>Medián szűrés a B </a:t>
+            </a:r>
+            <a:r>
+              <a:rPr lang="hu-HU" sz="3000" dirty="0" err="1" smtClean="0"/>
+              <a:t>bufferbe</a:t>
+            </a:r>
+            <a:endParaRPr lang="hu-HU" sz="3000" dirty="0" smtClean="0"/>
+          </a:p>
+          <a:p>
+            <a:pPr lvl="1">
+              <a:buFont typeface="Arial" panose="020B0604020202020204" pitchFamily="34" charset="0"/>
+              <a:buChar char="•"/>
+            </a:pPr>
+            <a:r>
+              <a:rPr lang="hu-HU" sz="3000" dirty="0" smtClean="0"/>
+              <a:t>Detektálás a B </a:t>
+            </a:r>
+            <a:r>
+              <a:rPr lang="hu-HU" sz="3000" dirty="0" err="1" smtClean="0"/>
+              <a:t>bufferbe</a:t>
+            </a:r>
+            <a:endParaRPr lang="hu-HU" sz="3000" dirty="0" smtClean="0"/>
+          </a:p>
+          <a:p>
+            <a:pPr>
+              <a:buFont typeface="Arial" panose="020B0604020202020204" pitchFamily="34" charset="0"/>
+              <a:buChar char="•"/>
+            </a:pPr>
+            <a:r>
+              <a:rPr lang="hu-HU" sz="3200" dirty="0" err="1" smtClean="0"/>
+              <a:t>Flood-fill</a:t>
+            </a:r>
+            <a:r>
+              <a:rPr lang="hu-HU" sz="3200" dirty="0" smtClean="0"/>
+              <a:t> algoritmussal a ROI meghatározása</a:t>
+            </a:r>
+          </a:p>
+          <a:p>
+            <a:pPr lvl="1">
+              <a:buFont typeface="Arial" panose="020B0604020202020204" pitchFamily="34" charset="0"/>
+              <a:buChar char="•"/>
+            </a:pPr>
+            <a:r>
+              <a:rPr lang="hu-HU" sz="3000" dirty="0" smtClean="0"/>
+              <a:t>Kiterjesztés</a:t>
+            </a:r>
+          </a:p>
+          <a:p>
+            <a:pPr lvl="1">
+              <a:buFont typeface="Arial" panose="020B0604020202020204" pitchFamily="34" charset="0"/>
+              <a:buChar char="•"/>
+            </a:pPr>
+            <a:r>
+              <a:rPr lang="hu-HU" sz="3000" dirty="0" smtClean="0"/>
+              <a:t>Legtávolabbik pontok a ROI határpontjai</a:t>
+            </a:r>
+          </a:p>
+          <a:p>
+            <a:pPr>
+              <a:buFont typeface="Arial" panose="020B0604020202020204" pitchFamily="34" charset="0"/>
+              <a:buChar char="•"/>
+            </a:pPr>
+            <a:r>
+              <a:rPr lang="hu-HU" sz="3200" dirty="0" smtClean="0"/>
+              <a:t>Pozíció számítása momentum módszerrel</a:t>
+            </a:r>
+          </a:p>
+          <a:p>
+            <a:pPr>
+              <a:buFont typeface="Arial" panose="020B0604020202020204" pitchFamily="34" charset="0"/>
+              <a:buChar char="•"/>
+            </a:pPr>
+            <a:r>
+              <a:rPr lang="hu-HU" sz="3200" dirty="0" smtClean="0"/>
+              <a:t>Eredmény mentése a globális memóriába</a:t>
+            </a:r>
+          </a:p>
+        </p:txBody>
+      </p:sp>
+    </p:spTree>
+    <p:extLst>
+      <p:ext uri="{BB962C8B-B14F-4D97-AF65-F5344CB8AC3E}">
+        <p14:creationId xmlns:p14="http://schemas.microsoft.com/office/powerpoint/2010/main" val="1746189968"/>
+      </p:ext>
+    </p:extLst>
+  </p:cSld>
+  <p:clrMapOvr>
+    <a:masterClrMapping/>
+  </p:clrMapOvr>
+  <p:timing>
+    <p:tnLst>
+      <p:par>
+        <p:cTn id="1" dur="indefinite" restart="never" nodeType="tmRoot"/>
+      </p:par>
+    </p:tnLst>
+  </p:timing>
+</p:sld>
+</file>
+
+<file path=ppt/slides/slide15.xml><?xml version="1.0" encoding="utf-8"?>
+<p:sld xmlns:a="http://schemas.openxmlformats.org/drawingml/2006/main" xmlns:r="http://schemas.openxmlformats.org/officeDocument/2006/relationships" xmlns:p="http://schemas.openxmlformats.org/presentationml/2006/main">
+  <p:cSld>
+    <p:spTree>
+      <p:nvGrpSpPr>
+        <p:cNvPr id="1" name=""/>
+        <p:cNvGrpSpPr/>
+        <p:nvPr/>
+      </p:nvGrpSpPr>
+      <p:grpSpPr>
+        <a:xfrm>
+          <a:off x="0" y="0"/>
+          <a:ext cx="0" cy="0"/>
+          <a:chOff x="0" y="0"/>
+          <a:chExt cx="0" cy="0"/>
+        </a:xfrm>
+      </p:grpSpPr>
+      <p:sp>
+        <p:nvSpPr>
+          <p:cNvPr id="2" name="Cím 1"/>
+          <p:cNvSpPr>
+            <a:spLocks noGrp="1"/>
+          </p:cNvSpPr>
+          <p:nvPr>
+            <p:ph type="title"/>
+          </p:nvPr>
+        </p:nvSpPr>
+        <p:spPr/>
+        <p:txBody>
+          <a:bodyPr/>
+          <a:lstStyle/>
+          <a:p>
+            <a:r>
+              <a:rPr lang="hu-HU" dirty="0" smtClean="0"/>
+              <a:t>Összehasonlítása</a:t>
+            </a:r>
+            <a:endParaRPr lang="hu-HU" dirty="0"/>
+          </a:p>
+        </p:txBody>
+      </p:sp>
+      <p:pic>
+        <p:nvPicPr>
+          <p:cNvPr id="4" name="Tartalom helye 3"/>
+          <p:cNvPicPr>
+            <a:picLocks noGrp="1" noChangeAspect="1"/>
+          </p:cNvPicPr>
+          <p:nvPr>
+            <p:ph idx="1"/>
+          </p:nvPr>
+        </p:nvPicPr>
+        <p:blipFill>
+          <a:blip r:embed="rId2"/>
+          <a:stretch>
+            <a:fillRect/>
+          </a:stretch>
+        </p:blipFill>
+        <p:spPr>
+          <a:xfrm>
+            <a:off x="235662" y="1737362"/>
+            <a:ext cx="8718386" cy="4673238"/>
+          </a:xfrm>
+          <a:prstGeom prst="rect">
+            <a:avLst/>
+          </a:prstGeom>
+        </p:spPr>
+      </p:pic>
+    </p:spTree>
+    <p:extLst>
+      <p:ext uri="{BB962C8B-B14F-4D97-AF65-F5344CB8AC3E}">
+        <p14:creationId xmlns:p14="http://schemas.microsoft.com/office/powerpoint/2010/main" val="3060521157"/>
+      </p:ext>
+    </p:extLst>
+  </p:cSld>
+  <p:clrMapOvr>
+    <a:masterClrMapping/>
+  </p:clrMapOvr>
+  <p:timing>
+    <p:tnLst>
+      <p:par>
+        <p:cTn id="1" dur="indefinite" restart="never" nodeType="tmRoot"/>
+      </p:par>
+    </p:tnLst>
+  </p:timing>
+</p:sld>
+</file>
+
+<file path=ppt/slides/slide16.xml><?xml version="1.0" encoding="utf-8"?>
+<p:sld xmlns:a="http://schemas.openxmlformats.org/drawingml/2006/main" xmlns:r="http://schemas.openxmlformats.org/officeDocument/2006/relationships" xmlns:p="http://schemas.openxmlformats.org/presentationml/2006/main">
+  <p:cSld>
+    <p:spTree>
+      <p:nvGrpSpPr>
+        <p:cNvPr id="1" name=""/>
+        <p:cNvGrpSpPr/>
+        <p:nvPr/>
+      </p:nvGrpSpPr>
+      <p:grpSpPr>
+        <a:xfrm>
+          <a:off x="0" y="0"/>
+          <a:ext cx="0" cy="0"/>
+          <a:chOff x="0" y="0"/>
+          <a:chExt cx="0" cy="0"/>
+        </a:xfrm>
+      </p:grpSpPr>
+      <p:sp>
+        <p:nvSpPr>
+          <p:cNvPr id="2" name="Cím 1"/>
+          <p:cNvSpPr>
+            <a:spLocks noGrp="1"/>
+          </p:cNvSpPr>
+          <p:nvPr>
+            <p:ph type="title"/>
+          </p:nvPr>
+        </p:nvSpPr>
+        <p:spPr>
+          <a:xfrm>
+            <a:off x="822960" y="286605"/>
+            <a:ext cx="7543800" cy="777086"/>
+          </a:xfrm>
+        </p:spPr>
+        <p:txBody>
+          <a:bodyPr anchor="t"/>
+          <a:lstStyle/>
+          <a:p>
+            <a:r>
+              <a:rPr lang="hu-HU" dirty="0" smtClean="0"/>
+              <a:t>Összegzés</a:t>
+            </a:r>
+            <a:endParaRPr lang="hu-HU" dirty="0"/>
+          </a:p>
+        </p:txBody>
+      </p:sp>
+      <p:sp>
+        <p:nvSpPr>
+          <p:cNvPr id="3" name="Tartalom helye 2"/>
+          <p:cNvSpPr>
+            <a:spLocks noGrp="1"/>
+          </p:cNvSpPr>
+          <p:nvPr>
+            <p:ph idx="1"/>
+          </p:nvPr>
+        </p:nvSpPr>
+        <p:spPr>
+          <a:xfrm>
+            <a:off x="484130" y="1063691"/>
+            <a:ext cx="8221460" cy="5430415"/>
+          </a:xfrm>
+        </p:spPr>
+        <p:txBody>
+          <a:bodyPr>
+            <a:normAutofit/>
+          </a:bodyPr>
+          <a:lstStyle/>
+          <a:p>
+            <a:pPr>
+              <a:buFont typeface="Arial" panose="020B0604020202020204" pitchFamily="34" charset="0"/>
+              <a:buChar char="•"/>
+            </a:pPr>
+            <a:r>
+              <a:rPr lang="hu-HU" sz="2800" dirty="0" smtClean="0"/>
+              <a:t>Bemutattam a </a:t>
+            </a:r>
+            <a:r>
+              <a:rPr lang="hu-HU" sz="2800" dirty="0" err="1" smtClean="0"/>
+              <a:t>porosplazma</a:t>
+            </a:r>
+            <a:r>
+              <a:rPr lang="hu-HU" sz="2800" dirty="0" smtClean="0"/>
+              <a:t> kísérletek apparátusát</a:t>
+            </a:r>
+          </a:p>
+          <a:p>
+            <a:pPr>
+              <a:buFont typeface="Arial" panose="020B0604020202020204" pitchFamily="34" charset="0"/>
+              <a:buChar char="•"/>
+            </a:pPr>
+            <a:r>
+              <a:rPr lang="hu-HU" sz="2800" dirty="0" smtClean="0"/>
+              <a:t>Részecske detektálása szűréssel és adaptív döntési küszöbbel</a:t>
+            </a:r>
+          </a:p>
+          <a:p>
+            <a:pPr>
+              <a:buFont typeface="Arial" panose="020B0604020202020204" pitchFamily="34" charset="0"/>
+              <a:buChar char="•"/>
+            </a:pPr>
+            <a:r>
+              <a:rPr lang="hu-HU" sz="2800" dirty="0" smtClean="0"/>
+              <a:t>Szűrés Gauss helyett medián szűrővel</a:t>
+            </a:r>
+          </a:p>
+          <a:p>
+            <a:pPr marL="0" indent="0">
+              <a:buNone/>
+            </a:pPr>
+            <a:r>
+              <a:rPr lang="hu-HU" sz="2800" b="1" dirty="0" smtClean="0"/>
+              <a:t>További lehetőségek:</a:t>
+            </a:r>
+          </a:p>
+          <a:p>
+            <a:pPr>
+              <a:buFont typeface="Arial" panose="020B0604020202020204" pitchFamily="34" charset="0"/>
+              <a:buChar char="•"/>
+            </a:pPr>
+            <a:r>
+              <a:rPr lang="hu-HU" sz="2800" dirty="0" err="1" smtClean="0"/>
+              <a:t>Host-program</a:t>
+            </a:r>
+            <a:r>
+              <a:rPr lang="hu-HU" sz="2800" dirty="0" smtClean="0"/>
+              <a:t> </a:t>
+            </a:r>
+            <a:r>
+              <a:rPr lang="hu-HU" sz="2800" dirty="0" err="1" smtClean="0"/>
+              <a:t>producer-consumer</a:t>
+            </a:r>
+            <a:r>
+              <a:rPr lang="hu-HU" sz="2800" dirty="0" smtClean="0"/>
+              <a:t> szálba rendezése</a:t>
+            </a:r>
+          </a:p>
+          <a:p>
+            <a:pPr>
+              <a:buFont typeface="Arial" panose="020B0604020202020204" pitchFamily="34" charset="0"/>
+              <a:buChar char="•"/>
+            </a:pPr>
+            <a:r>
+              <a:rPr lang="hu-HU" sz="2800" dirty="0" smtClean="0"/>
+              <a:t>Eredmény grafikus megjelenítése (</a:t>
+            </a:r>
+            <a:r>
+              <a:rPr lang="hu-HU" sz="2800" dirty="0" err="1" smtClean="0"/>
+              <a:t>OpenGL</a:t>
+            </a:r>
+            <a:r>
+              <a:rPr lang="hu-HU" sz="2800" dirty="0" smtClean="0"/>
+              <a:t>)</a:t>
+            </a:r>
+          </a:p>
+          <a:p>
+            <a:pPr>
+              <a:buFont typeface="Arial" panose="020B0604020202020204" pitchFamily="34" charset="0"/>
+              <a:buChar char="•"/>
+            </a:pPr>
+            <a:r>
+              <a:rPr lang="hu-HU" sz="2800" dirty="0" smtClean="0"/>
+              <a:t>Vektor műveletek használata (Intel </a:t>
+            </a:r>
+            <a:r>
+              <a:rPr lang="hu-HU" sz="2800" dirty="0" err="1" smtClean="0"/>
+              <a:t>Xeon</a:t>
+            </a:r>
+            <a:r>
+              <a:rPr lang="hu-HU" sz="2800" dirty="0" smtClean="0"/>
+              <a:t> PHI)</a:t>
+            </a:r>
+          </a:p>
+          <a:p>
+            <a:pPr>
+              <a:buFont typeface="Arial" panose="020B0604020202020204" pitchFamily="34" charset="0"/>
+              <a:buChar char="•"/>
+            </a:pPr>
+            <a:r>
+              <a:rPr lang="hu-HU" sz="2800" dirty="0" smtClean="0"/>
+              <a:t>Részecske sebességének számítása</a:t>
+            </a:r>
+          </a:p>
+          <a:p>
+            <a:pPr>
+              <a:buFont typeface="Arial" panose="020B0604020202020204" pitchFamily="34" charset="0"/>
+              <a:buChar char="•"/>
+            </a:pPr>
+            <a:r>
+              <a:rPr lang="hu-HU" sz="2800" dirty="0" smtClean="0"/>
+              <a:t>Kálmán </a:t>
+            </a:r>
+            <a:r>
+              <a:rPr lang="hu-HU" sz="2800" dirty="0" err="1" smtClean="0"/>
+              <a:t>prediktor</a:t>
+            </a:r>
+            <a:r>
+              <a:rPr lang="hu-HU" sz="2800" dirty="0" smtClean="0"/>
+              <a:t> használatának vizsgálati lehetősége</a:t>
+            </a:r>
+          </a:p>
+          <a:p>
+            <a:pPr>
+              <a:buFont typeface="Arial" panose="020B0604020202020204" pitchFamily="34" charset="0"/>
+              <a:buChar char="•"/>
+            </a:pPr>
+            <a:endParaRPr lang="hu-HU" sz="2800" dirty="0"/>
           </a:p>
         </p:txBody>
       </p:sp>
@@ -5127,25 +6560,179 @@
           </a:xfrm>
         </p:spPr>
       </p:pic>
-      <p:sp>
-        <p:nvSpPr>
-          <p:cNvPr id="5" name="Szöveg helye 4"/>
-          <p:cNvSpPr>
-            <a:spLocks noGrp="1"/>
-          </p:cNvSpPr>
-          <p:nvPr>
-            <p:ph type="body" sz="half" idx="2"/>
-          </p:nvPr>
-        </p:nvSpPr>
-        <p:spPr/>
-        <p:txBody>
-          <a:bodyPr/>
-          <a:lstStyle/>
-          <a:p>
-            <a:endParaRPr lang="hu-HU" dirty="0"/>
-          </a:p>
-        </p:txBody>
-      </p:sp>
+      <mc:AlternateContent xmlns:mc="http://schemas.openxmlformats.org/markup-compatibility/2006">
+        <mc:Choice xmlns:a14="http://schemas.microsoft.com/office/drawing/2010/main" Requires="a14">
+          <p:sp>
+            <p:nvSpPr>
+              <p:cNvPr id="5" name="Szöveg helye 4"/>
+              <p:cNvSpPr>
+                <a:spLocks noGrp="1"/>
+              </p:cNvSpPr>
+              <p:nvPr>
+                <p:ph type="body" sz="half" idx="2"/>
+              </p:nvPr>
+            </p:nvSpPr>
+            <p:spPr/>
+            <p:txBody>
+              <a:bodyPr anchor="t">
+                <a:normAutofit/>
+              </a:bodyPr>
+              <a:lstStyle/>
+              <a:p>
+                <a:pPr marL="285750" indent="-285750">
+                  <a:buFont typeface="Arial" panose="020B0604020202020204" pitchFamily="34" charset="0"/>
+                  <a:buChar char="•"/>
+                </a:pPr>
+                <a:r>
+                  <a:rPr lang="hu-HU" sz="2000" dirty="0" smtClean="0"/>
+                  <a:t>Alacson</a:t>
+                </a:r>
+                <a:r>
+                  <a:rPr lang="hu-HU" sz="2000" dirty="0" smtClean="0"/>
+                  <a:t>y nyomású i</a:t>
+                </a:r>
+                <a:r>
+                  <a:rPr lang="hu-HU" sz="2000" dirty="0" smtClean="0"/>
+                  <a:t>onizált nemesgáz</a:t>
+                </a:r>
+              </a:p>
+              <a:p>
+                <a:pPr marL="285750" indent="-285750">
+                  <a:buFont typeface="Arial" panose="020B0604020202020204" pitchFamily="34" charset="0"/>
+                  <a:buChar char="•"/>
+                </a:pPr>
+                <a:r>
+                  <a:rPr lang="hu-HU" sz="2000" dirty="0" smtClean="0"/>
+                  <a:t>RF gerjesztés</a:t>
+                </a:r>
+                <a:endParaRPr lang="hu-HU" sz="2000" dirty="0" smtClean="0"/>
+              </a:p>
+              <a:p>
+                <a:pPr marL="285750" indent="-285750">
+                  <a:buFont typeface="Arial" panose="020B0604020202020204" pitchFamily="34" charset="0"/>
+                  <a:buChar char="•"/>
+                </a:pPr>
+                <a:r>
+                  <a:rPr lang="hu-HU" sz="2000" dirty="0" smtClean="0"/>
+                  <a:t>A plazmába szórt porrészecskék</a:t>
+                </a:r>
+              </a:p>
+              <a:p>
+                <a:pPr marL="285750" indent="-285750">
+                  <a:buFont typeface="Arial" panose="020B0604020202020204" pitchFamily="34" charset="0"/>
+                  <a:buChar char="•"/>
+                </a:pPr>
+                <a:r>
+                  <a:rPr lang="hu-HU" sz="2000" dirty="0" smtClean="0"/>
+                  <a:t>Gravitációs, villamos, szóródásos, hőmérséklet gradiensi, ion sodrási erő</a:t>
+                </a:r>
+              </a:p>
+              <a:p>
+                <a:pPr marL="285750" indent="-285750">
+                  <a:buFont typeface="Arial" panose="020B0604020202020204" pitchFamily="34" charset="0"/>
+                  <a:buChar char="•"/>
+                </a:pPr>
+                <a:r>
+                  <a:rPr lang="hu-HU" sz="2000" dirty="0"/>
+                  <a:t>Részecskék erős vagy gyenge </a:t>
+                </a:r>
+                <a:r>
+                  <a:rPr lang="hu-HU" sz="2000" dirty="0" smtClean="0"/>
+                  <a:t>kölcsönhatása:</a:t>
+                </a:r>
+                <a:br>
+                  <a:rPr lang="hu-HU" sz="2000" dirty="0" smtClean="0"/>
+                </a:br>
+                <a:r>
+                  <a:rPr lang="hu-HU" sz="2000" dirty="0" smtClean="0"/>
+                  <a:t>Coulomb csatolási </a:t>
+                </a:r>
+                <a:r>
+                  <a:rPr lang="hu-HU" sz="2000" dirty="0" err="1" smtClean="0"/>
+                  <a:t>param</a:t>
+                </a:r>
+                <a:r>
+                  <a:rPr lang="hu-HU" sz="2000" dirty="0" smtClean="0"/>
+                  <a:t>. </a:t>
+                </a:r>
+                <a14:m>
+                  <m:oMath xmlns:m="http://schemas.openxmlformats.org/officeDocument/2006/math">
+                    <m:d>
+                      <m:dPr>
+                        <m:ctrlPr>
+                          <a:rPr lang="hu-HU" sz="2000" i="1">
+                            <a:latin typeface="Cambria Math" panose="02040503050406030204" pitchFamily="18" charset="0"/>
+                          </a:rPr>
+                        </m:ctrlPr>
+                      </m:dPr>
+                      <m:e>
+                        <m:r>
+                          <m:rPr>
+                            <m:sty m:val="p"/>
+                          </m:rPr>
+                          <a:rPr lang="el-GR" sz="2000" i="1">
+                            <a:latin typeface="Cambria Math" panose="02040503050406030204" pitchFamily="18" charset="0"/>
+                            <a:ea typeface="Cambria Math" panose="02040503050406030204" pitchFamily="18" charset="0"/>
+                          </a:rPr>
+                          <m:t>Γ</m:t>
+                        </m:r>
+                      </m:e>
+                    </m:d>
+                  </m:oMath>
+                </a14:m>
+                <a:endParaRPr lang="hu-HU" sz="2000" dirty="0"/>
+              </a:p>
+              <a:p>
+                <a:pPr marL="285750" indent="-285750">
+                  <a:buFont typeface="Arial" panose="020B0604020202020204" pitchFamily="34" charset="0"/>
+                  <a:buChar char="•"/>
+                </a:pPr>
+                <a:endParaRPr lang="hu-HU" sz="2000" dirty="0" smtClean="0"/>
+              </a:p>
+              <a:p>
+                <a:pPr marL="285750" indent="-285750">
+                  <a:buFont typeface="Arial" panose="020B0604020202020204" pitchFamily="34" charset="0"/>
+                  <a:buChar char="•"/>
+                </a:pPr>
+                <a:endParaRPr lang="hu-HU" sz="2000" dirty="0"/>
+              </a:p>
+            </p:txBody>
+          </p:sp>
+        </mc:Choice>
+        <mc:Fallback>
+          <p:sp>
+            <p:nvSpPr>
+              <p:cNvPr id="5" name="Szöveg helye 4"/>
+              <p:cNvSpPr>
+                <a:spLocks noGrp="1" noRot="1" noChangeAspect="1" noMove="1" noResize="1" noEditPoints="1" noAdjustHandles="1" noChangeArrowheads="1" noChangeShapeType="1" noTextEdit="1"/>
+              </p:cNvSpPr>
+              <p:nvPr>
+                <p:ph type="body" sz="half" idx="2"/>
+              </p:nvPr>
+            </p:nvSpPr>
+            <p:spPr>
+              <a:blipFill rotWithShape="0">
+                <a:blip r:embed="rId4"/>
+                <a:stretch>
+                  <a:fillRect l="-1718" t="-1587" r="-3053"/>
+                </a:stretch>
+              </a:blipFill>
+            </p:spPr>
+            <p:txBody>
+              <a:bodyPr/>
+              <a:lstStyle/>
+              <a:p>
+                <a:r>
+                  <a:rPr lang="hu-HU">
+                    <a:noFill/>
+                  </a:rPr>
+                  <a:t> </a:t>
+                </a:r>
+              </a:p>
+            </p:txBody>
+          </p:sp>
+        </mc:Fallback>
+      </mc:AlternateContent>
       <p:pic>
         <p:nvPicPr>
           <p:cNvPr id="7" name="Kép 6"/>
@@ -5155,7 +6742,7 @@
           <p:nvPr/>
         </p:nvPicPr>
         <p:blipFill>
-          <a:blip r:embed="rId4">
+          <a:blip r:embed="rId5">
             <a:extLst>
               <a:ext uri="{28A0092B-C50C-407E-A947-70E740481C1C}">
                 <a14:useLocalDpi xmlns:a14="http://schemas.microsoft.com/office/drawing/2010/main" val="0"/>
@@ -5230,7 +6817,11 @@
           <a:p>
             <a:r>
               <a:rPr lang="hu-HU" dirty="0" smtClean="0"/>
-              <a:t>A kísérleti elrendezés</a:t>
+              <a:t>A </a:t>
+            </a:r>
+            <a:r>
+              <a:rPr lang="hu-HU" dirty="0" smtClean="0"/>
+              <a:t>kísérlet</a:t>
             </a:r>
             <a:endParaRPr lang="hu-HU" dirty="0"/>
           </a:p>
@@ -5251,7 +6842,58 @@
           <a:bodyPr/>
           <a:lstStyle/>
           <a:p>
-            <a:endParaRPr lang="hu-HU"/>
+            <a:pPr marL="342900" indent="-342900">
+              <a:buFont typeface="Arial" panose="020B0604020202020204" pitchFamily="34" charset="0"/>
+              <a:buChar char="•"/>
+            </a:pPr>
+            <a:r>
+              <a:rPr lang="hu-HU" dirty="0" err="1" smtClean="0"/>
+              <a:t>Elővákuum</a:t>
+            </a:r>
+            <a:r>
+              <a:rPr lang="hu-HU" dirty="0" smtClean="0"/>
+              <a:t>, középvákuum szivattyú</a:t>
+            </a:r>
+          </a:p>
+          <a:p>
+            <a:pPr marL="342900" indent="-342900">
+              <a:buFont typeface="Arial" panose="020B0604020202020204" pitchFamily="34" charset="0"/>
+              <a:buChar char="•"/>
+            </a:pPr>
+            <a:r>
+              <a:rPr lang="hu-HU" dirty="0" smtClean="0"/>
+              <a:t>Nemesgáz áramlás</a:t>
+            </a:r>
+          </a:p>
+          <a:p>
+            <a:pPr marL="342900" indent="-342900">
+              <a:buFont typeface="Arial" panose="020B0604020202020204" pitchFamily="34" charset="0"/>
+              <a:buChar char="•"/>
+            </a:pPr>
+            <a:r>
+              <a:rPr lang="hu-HU" dirty="0" smtClean="0"/>
+              <a:t>RF gerjesztés</a:t>
+            </a:r>
+          </a:p>
+          <a:p>
+            <a:pPr marL="342900" indent="-342900">
+              <a:buFont typeface="Arial" panose="020B0604020202020204" pitchFamily="34" charset="0"/>
+              <a:buChar char="•"/>
+            </a:pPr>
+            <a:r>
+              <a:rPr lang="hu-HU" dirty="0" smtClean="0"/>
+              <a:t>Porrészecskék</a:t>
+            </a:r>
+          </a:p>
+          <a:p>
+            <a:pPr marL="342900" indent="-342900">
+              <a:buFont typeface="Arial" panose="020B0604020202020204" pitchFamily="34" charset="0"/>
+              <a:buChar char="•"/>
+            </a:pPr>
+            <a:r>
+              <a:rPr lang="hu-HU" dirty="0" smtClean="0"/>
+              <a:t>Megvilágító lézer és kamera</a:t>
+            </a:r>
           </a:p>
         </p:txBody>
       </p:sp>
@@ -5321,45 +6963,62 @@
           <a:chExt cx="0" cy="0"/>
         </a:xfrm>
       </p:grpSpPr>
-      <p:sp>
-        <p:nvSpPr>
-          <p:cNvPr id="2" name="Cím 1"/>
-          <p:cNvSpPr>
-            <a:spLocks noGrp="1"/>
-          </p:cNvSpPr>
-          <p:nvPr>
-            <p:ph type="title"/>
-          </p:nvPr>
-        </p:nvSpPr>
-        <p:spPr/>
-        <p:txBody>
-          <a:bodyPr/>
+      <p:pic>
+        <p:nvPicPr>
+          <p:cNvPr id="4" name="Kép 3"/>
+          <p:cNvPicPr>
+            <a:picLocks noChangeAspect="1"/>
+          </p:cNvPicPr>
+          <p:nvPr/>
+        </p:nvPicPr>
+        <p:blipFill rotWithShape="1">
+          <a:blip r:embed="rId2">
+            <a:extLst>
+              <a:ext uri="{28A0092B-C50C-407E-A947-70E740481C1C}">
+                <a14:useLocalDpi xmlns:a14="http://schemas.microsoft.com/office/drawing/2010/main" val="0"/>
+              </a:ext>
+            </a:extLst>
+          </a:blip>
+          <a:srcRect l="9091" t="7107" r="10408" b="6620"/>
+          <a:stretch/>
+        </p:blipFill>
+        <p:spPr>
+          <a:xfrm>
+            <a:off x="745298" y="114300"/>
+            <a:ext cx="7653403" cy="6374182"/>
+          </a:xfrm>
+          <a:prstGeom prst="rect">
+            <a:avLst/>
+          </a:prstGeom>
+        </p:spPr>
+      </p:pic>
+      <p:sp>
+        <p:nvSpPr>
+          <p:cNvPr id="6" name="Szövegdoboz 5"/>
+          <p:cNvSpPr txBox="1"/>
+          <p:nvPr/>
+        </p:nvSpPr>
+        <p:spPr>
+          <a:xfrm>
+            <a:off x="158621" y="114300"/>
+            <a:ext cx="622927" cy="6015911"/>
+          </a:xfrm>
+          <a:prstGeom prst="rect">
+            <a:avLst/>
+          </a:prstGeom>
+          <a:noFill/>
+        </p:spPr>
+        <p:txBody>
+          <a:bodyPr vert="wordArtVert" wrap="square" rtlCol="0">
+            <a:spAutoFit/>
+          </a:bodyPr>
           <a:lstStyle/>
           <a:p>
             <a:r>
-              <a:rPr lang="hu-HU" dirty="0" smtClean="0"/>
-              <a:t>Mérési eredmények</a:t>
-            </a:r>
-            <a:endParaRPr lang="hu-HU" dirty="0"/>
-          </a:p>
-        </p:txBody>
-      </p:sp>
-      <p:sp>
-        <p:nvSpPr>
-          <p:cNvPr id="3" name="Tartalom helye 2"/>
-          <p:cNvSpPr>
-            <a:spLocks noGrp="1"/>
-          </p:cNvSpPr>
-          <p:nvPr>
-            <p:ph idx="1"/>
-          </p:nvPr>
-        </p:nvSpPr>
-        <p:spPr/>
-        <p:txBody>
-          <a:bodyPr/>
-          <a:lstStyle/>
-          <a:p>
-            <a:endParaRPr lang="hu-HU"/>
+              <a:rPr lang="hu-HU" sz="2400" b="1" dirty="0" smtClean="0"/>
+              <a:t>Álló eset</a:t>
+            </a:r>
+            <a:endParaRPr lang="hu-HU" sz="2400" b="1" dirty="0"/>
           </a:p>
         </p:txBody>
       </p:sp>
@@ -5400,52 +7059,69 @@
           <a:chExt cx="0" cy="0"/>
         </a:xfrm>
       </p:grpSpPr>
-      <p:sp>
-        <p:nvSpPr>
-          <p:cNvPr id="2" name="Cím 1"/>
-          <p:cNvSpPr>
-            <a:spLocks noGrp="1"/>
-          </p:cNvSpPr>
-          <p:nvPr>
-            <p:ph type="title"/>
-          </p:nvPr>
-        </p:nvSpPr>
-        <p:spPr/>
-        <p:txBody>
-          <a:bodyPr/>
+      <p:pic>
+        <p:nvPicPr>
+          <p:cNvPr id="4" name="Kép 3"/>
+          <p:cNvPicPr>
+            <a:picLocks noChangeAspect="1"/>
+          </p:cNvPicPr>
+          <p:nvPr/>
+        </p:nvPicPr>
+        <p:blipFill rotWithShape="1">
+          <a:blip r:embed="rId2">
+            <a:extLst>
+              <a:ext uri="{28A0092B-C50C-407E-A947-70E740481C1C}">
+                <a14:useLocalDpi xmlns:a14="http://schemas.microsoft.com/office/drawing/2010/main" val="0"/>
+              </a:ext>
+            </a:extLst>
+          </a:blip>
+          <a:srcRect l="9280" t="7355" r="9037" b="6676"/>
+          <a:stretch/>
+        </p:blipFill>
+        <p:spPr>
+          <a:xfrm>
+            <a:off x="737121" y="74363"/>
+            <a:ext cx="7837718" cy="6410413"/>
+          </a:xfrm>
+          <a:prstGeom prst="rect">
+            <a:avLst/>
+          </a:prstGeom>
+        </p:spPr>
+      </p:pic>
+      <p:sp>
+        <p:nvSpPr>
+          <p:cNvPr id="6" name="Szövegdoboz 5"/>
+          <p:cNvSpPr txBox="1"/>
+          <p:nvPr/>
+        </p:nvSpPr>
+        <p:spPr>
+          <a:xfrm>
+            <a:off x="158621" y="114300"/>
+            <a:ext cx="622927" cy="6015911"/>
+          </a:xfrm>
+          <a:prstGeom prst="rect">
+            <a:avLst/>
+          </a:prstGeom>
+          <a:noFill/>
+        </p:spPr>
+        <p:txBody>
+          <a:bodyPr vert="wordArtVert" wrap="square" rtlCol="0">
+            <a:spAutoFit/>
+          </a:bodyPr>
           <a:lstStyle/>
           <a:p>
             <a:r>
-              <a:rPr lang="hu-HU" dirty="0" smtClean="0"/>
-              <a:t>Részecskék detektálása</a:t>
-            </a:r>
-            <a:endParaRPr lang="hu-HU" dirty="0"/>
-          </a:p>
-        </p:txBody>
-      </p:sp>
-      <p:sp>
-        <p:nvSpPr>
-          <p:cNvPr id="3" name="Tartalom helye 2"/>
-          <p:cNvSpPr>
-            <a:spLocks noGrp="1"/>
-          </p:cNvSpPr>
-          <p:nvPr>
-            <p:ph idx="1"/>
-          </p:nvPr>
-        </p:nvSpPr>
-        <p:spPr/>
-        <p:txBody>
-          <a:bodyPr/>
-          <a:lstStyle/>
-          <a:p>
-            <a:endParaRPr lang="hu-HU"/>
+              <a:rPr lang="hu-HU" sz="2400" b="1" dirty="0" smtClean="0"/>
+              <a:t>Forgó eset</a:t>
+            </a:r>
+            <a:endParaRPr lang="hu-HU" sz="2400" b="1" dirty="0"/>
           </a:p>
         </p:txBody>
       </p:sp>
     </p:spTree>
     <p:extLst>
       <p:ext uri="{BB962C8B-B14F-4D97-AF65-F5344CB8AC3E}">
-        <p14:creationId xmlns:p14="http://schemas.microsoft.com/office/powerpoint/2010/main" val="3270620833"/>
+        <p14:creationId xmlns:p14="http://schemas.microsoft.com/office/powerpoint/2010/main" val="1303469188"/>
       </p:ext>
     </p:extLst>
   </p:cSld>
@@ -5514,20 +7190,107 @@
         </p:nvSpPr>
         <p:spPr/>
         <p:txBody>
-          <a:bodyPr/>
+          <a:bodyPr>
+            <a:normAutofit/>
+          </a:bodyPr>
           <a:lstStyle/>
           <a:p>
-            <a:pPr marL="0" indent="0">
-              <a:buNone/>
+            <a:pPr>
+              <a:buFont typeface="Arial" panose="020B0604020202020204" pitchFamily="34" charset="0"/>
+              <a:buChar char="•"/>
             </a:pPr>
-            <a:endParaRPr lang="hu-HU" dirty="0"/>
+            <a:r>
+              <a:rPr lang="hu-HU" sz="2800" dirty="0" smtClean="0"/>
+              <a:t>Küszöb módszer</a:t>
+            </a:r>
+          </a:p>
+          <a:p>
+            <a:pPr>
+              <a:buFont typeface="Arial" panose="020B0604020202020204" pitchFamily="34" charset="0"/>
+              <a:buChar char="•"/>
+            </a:pPr>
+            <a:r>
+              <a:rPr lang="hu-HU" sz="2800" dirty="0" smtClean="0"/>
+              <a:t>Küszöb módszer szűréssel</a:t>
+            </a:r>
+          </a:p>
+          <a:p>
+            <a:pPr lvl="1">
+              <a:buFont typeface="Arial" panose="020B0604020202020204" pitchFamily="34" charset="0"/>
+              <a:buChar char="•"/>
+            </a:pPr>
+            <a:r>
+              <a:rPr lang="hu-HU" sz="2600" dirty="0" smtClean="0"/>
+              <a:t>Gauss szűrővel</a:t>
+            </a:r>
+          </a:p>
+          <a:p>
+            <a:pPr lvl="1">
+              <a:buFont typeface="Arial" panose="020B0604020202020204" pitchFamily="34" charset="0"/>
+              <a:buChar char="•"/>
+            </a:pPr>
+            <a:r>
+              <a:rPr lang="hu-HU" sz="2600" dirty="0" smtClean="0"/>
+              <a:t>Medián szűrő</a:t>
+            </a:r>
+          </a:p>
+          <a:p>
+            <a:pPr>
+              <a:buFont typeface="Arial" panose="020B0604020202020204" pitchFamily="34" charset="0"/>
+              <a:buChar char="•"/>
+            </a:pPr>
+            <a:r>
+              <a:rPr lang="hu-HU" sz="2800" dirty="0" smtClean="0"/>
+              <a:t>Adaptív küszöb módszer szűréssel</a:t>
+            </a:r>
+          </a:p>
+          <a:p>
+            <a:pPr lvl="1">
+              <a:buFont typeface="Arial" panose="020B0604020202020204" pitchFamily="34" charset="0"/>
+              <a:buChar char="•"/>
+            </a:pPr>
+            <a:r>
+              <a:rPr lang="hu-HU" sz="2600" dirty="0" smtClean="0"/>
+              <a:t>Fényképezés okozta részletkülönbség problémája</a:t>
+            </a:r>
+          </a:p>
+          <a:p>
+            <a:pPr lvl="1">
+              <a:buFont typeface="Arial" panose="020B0604020202020204" pitchFamily="34" charset="0"/>
+              <a:buChar char="•"/>
+            </a:pPr>
+            <a:r>
+              <a:rPr lang="hu-HU" sz="2600" dirty="0" smtClean="0"/>
+              <a:t>Fényes területekben kevésbé bízhatunk meg</a:t>
+            </a:r>
+          </a:p>
+          <a:p>
+            <a:pPr lvl="1">
+              <a:buFont typeface="Arial" panose="020B0604020202020204" pitchFamily="34" charset="0"/>
+              <a:buChar char="•"/>
+            </a:pPr>
+            <a:endParaRPr lang="hu-HU" sz="2600" dirty="0" smtClean="0"/>
+          </a:p>
+          <a:p>
+            <a:pPr>
+              <a:buFont typeface="Arial" panose="020B0604020202020204" pitchFamily="34" charset="0"/>
+              <a:buChar char="•"/>
+            </a:pPr>
+            <a:endParaRPr lang="hu-HU" sz="2800" dirty="0" smtClean="0"/>
+          </a:p>
+          <a:p>
+            <a:pPr>
+              <a:buFont typeface="Arial" panose="020B0604020202020204" pitchFamily="34" charset="0"/>
+              <a:buChar char="•"/>
+            </a:pPr>
+            <a:endParaRPr lang="hu-HU" sz="2800" dirty="0"/>
           </a:p>
         </p:txBody>
       </p:sp>
     </p:spTree>
     <p:extLst>
       <p:ext uri="{BB962C8B-B14F-4D97-AF65-F5344CB8AC3E}">
-        <p14:creationId xmlns:p14="http://schemas.microsoft.com/office/powerpoint/2010/main" val="2023970554"/>
+        <p14:creationId xmlns:p14="http://schemas.microsoft.com/office/powerpoint/2010/main" val="3270620833"/>
       </p:ext>
     </p:extLst>
   </p:cSld>
@@ -5561,52 +7324,99 @@
           <a:chExt cx="0" cy="0"/>
         </a:xfrm>
       </p:grpSpPr>
-      <p:sp>
-        <p:nvSpPr>
-          <p:cNvPr id="2" name="Cím 1"/>
-          <p:cNvSpPr>
-            <a:spLocks noGrp="1"/>
-          </p:cNvSpPr>
-          <p:nvPr>
-            <p:ph type="title"/>
-          </p:nvPr>
-        </p:nvSpPr>
-        <p:spPr/>
-        <p:txBody>
-          <a:bodyPr/>
-          <a:lstStyle/>
-          <a:p>
-            <a:r>
-              <a:rPr lang="hu-HU" dirty="0" smtClean="0"/>
-              <a:t>Részecske pozíciójának számítása</a:t>
-            </a:r>
-            <a:endParaRPr lang="hu-HU" dirty="0"/>
-          </a:p>
-        </p:txBody>
-      </p:sp>
-      <p:sp>
-        <p:nvSpPr>
-          <p:cNvPr id="3" name="Tartalom helye 2"/>
-          <p:cNvSpPr>
-            <a:spLocks noGrp="1"/>
-          </p:cNvSpPr>
-          <p:nvPr>
-            <p:ph idx="1"/>
-          </p:nvPr>
-        </p:nvSpPr>
-        <p:spPr/>
-        <p:txBody>
-          <a:bodyPr/>
-          <a:lstStyle/>
-          <a:p>
-            <a:endParaRPr lang="hu-HU"/>
-          </a:p>
-        </p:txBody>
-      </p:sp>
+      <p:pic>
+        <p:nvPicPr>
+          <p:cNvPr id="5" name="Kép 4"/>
+          <p:cNvPicPr>
+            <a:picLocks noChangeAspect="1"/>
+          </p:cNvPicPr>
+          <p:nvPr/>
+        </p:nvPicPr>
+        <p:blipFill>
+          <a:blip r:embed="rId2">
+            <a:extLst>
+              <a:ext uri="{28A0092B-C50C-407E-A947-70E740481C1C}">
+                <a14:useLocalDpi xmlns:a14="http://schemas.microsoft.com/office/drawing/2010/main" val="0"/>
+              </a:ext>
+            </a:extLst>
+          </a:blip>
+          <a:stretch>
+            <a:fillRect/>
+          </a:stretch>
+        </p:blipFill>
+        <p:spPr>
+          <a:xfrm>
+            <a:off x="972000" y="2401516"/>
+            <a:ext cx="7200000" cy="2402503"/>
+          </a:xfrm>
+          <a:prstGeom prst="rect">
+            <a:avLst/>
+          </a:prstGeom>
+        </p:spPr>
+      </p:pic>
+      <p:pic>
+        <p:nvPicPr>
+          <p:cNvPr id="4" name="Tartalom helye 3"/>
+          <p:cNvPicPr>
+            <a:picLocks noGrp="1" noChangeAspect="1"/>
+          </p:cNvPicPr>
+          <p:nvPr>
+            <p:ph idx="4294967295"/>
+          </p:nvPr>
+        </p:nvPicPr>
+        <p:blipFill>
+          <a:blip r:embed="rId3">
+            <a:extLst>
+              <a:ext uri="{28A0092B-C50C-407E-A947-70E740481C1C}">
+                <a14:useLocalDpi xmlns:a14="http://schemas.microsoft.com/office/drawing/2010/main" val="0"/>
+              </a:ext>
+            </a:extLst>
+          </a:blip>
+          <a:stretch>
+            <a:fillRect/>
+          </a:stretch>
+        </p:blipFill>
+        <p:spPr>
+          <a:xfrm>
+            <a:off x="972000" y="0"/>
+            <a:ext cx="7200000" cy="2401516"/>
+          </a:xfrm>
+        </p:spPr>
+      </p:pic>
+      <p:pic>
+        <p:nvPicPr>
+          <p:cNvPr id="6" name="Kép 5"/>
+          <p:cNvPicPr>
+            <a:picLocks noChangeAspect="1"/>
+          </p:cNvPicPr>
+          <p:nvPr/>
+        </p:nvPicPr>
+        <p:blipFill>
+          <a:blip r:embed="rId4">
+            <a:extLst>
+              <a:ext uri="{28A0092B-C50C-407E-A947-70E740481C1C}">
+                <a14:useLocalDpi xmlns:a14="http://schemas.microsoft.com/office/drawing/2010/main" val="0"/>
+              </a:ext>
+            </a:extLst>
+          </a:blip>
+          <a:stretch>
+            <a:fillRect/>
+          </a:stretch>
+        </p:blipFill>
+        <p:spPr>
+          <a:xfrm>
+            <a:off x="972000" y="4803032"/>
+            <a:ext cx="7200000" cy="1682257"/>
+          </a:xfrm>
+          <a:prstGeom prst="rect">
+            <a:avLst/>
+          </a:prstGeom>
+        </p:spPr>
+      </p:pic>
     </p:spTree>
     <p:extLst>
       <p:ext uri="{BB962C8B-B14F-4D97-AF65-F5344CB8AC3E}">
-        <p14:creationId xmlns:p14="http://schemas.microsoft.com/office/powerpoint/2010/main" val="1067138140"/>
+        <p14:creationId xmlns:p14="http://schemas.microsoft.com/office/powerpoint/2010/main" val="2023970554"/>
       </p:ext>
     </p:extLst>
   </p:cSld>
@@ -5652,16 +7462,14 @@
         </p:nvSpPr>
         <p:spPr/>
         <p:txBody>
-          <a:bodyPr/>
+          <a:bodyPr>
+            <a:normAutofit fontScale="90000"/>
+          </a:bodyPr>
           <a:lstStyle/>
           <a:p>
             <a:r>
-              <a:rPr lang="hu-HU" dirty="0" err="1" smtClean="0"/>
-              <a:t>OpenCL</a:t>
-            </a:r>
-            <a:r>
-              <a:rPr lang="hu-HU" baseline="0" dirty="0" smtClean="0"/>
-              <a:t> környezet</a:t>
+              <a:rPr lang="hu-HU" dirty="0" smtClean="0"/>
+              <a:t>Részecske pozíciójának számítása momentum módszerrel</a:t>
             </a:r>
             <a:endParaRPr lang="hu-HU" dirty="0"/>
           </a:p>
@@ -5679,30 +7487,81 @@
         </p:nvSpPr>
         <p:spPr/>
         <p:txBody>
-          <a:bodyPr/>
+          <a:bodyPr>
+            <a:normAutofit/>
+          </a:bodyPr>
           <a:lstStyle/>
           <a:p>
-            <a:endParaRPr lang="hu-HU"/>
+            <a:pPr>
+              <a:buFont typeface="Arial" panose="020B0604020202020204" pitchFamily="34" charset="0"/>
+              <a:buChar char="•"/>
+            </a:pPr>
+            <a:r>
+              <a:rPr lang="hu-HU" sz="2800" dirty="0" err="1" smtClean="0"/>
+              <a:t>Ditherelés</a:t>
+            </a:r>
+            <a:r>
+              <a:rPr lang="hu-HU" sz="2800" dirty="0" smtClean="0"/>
+              <a:t> a fókusz elállításával</a:t>
+            </a:r>
+          </a:p>
+          <a:p>
+            <a:pPr>
+              <a:buFont typeface="Arial" panose="020B0604020202020204" pitchFamily="34" charset="0"/>
+              <a:buChar char="•"/>
+            </a:pPr>
+            <a:r>
+              <a:rPr lang="hu-HU" sz="2800" dirty="0" smtClean="0"/>
+              <a:t>Megjelölt pixel kiterjesztése</a:t>
+            </a:r>
+          </a:p>
+          <a:p>
+            <a:pPr>
+              <a:buFont typeface="Arial" panose="020B0604020202020204" pitchFamily="34" charset="0"/>
+              <a:buChar char="•"/>
+            </a:pPr>
+            <a:r>
+              <a:rPr lang="hu-HU" sz="2800" dirty="0" err="1" smtClean="0"/>
+              <a:t>Flood-fill</a:t>
+            </a:r>
+            <a:r>
+              <a:rPr lang="hu-HU" sz="2800" dirty="0" smtClean="0"/>
+              <a:t> algoritmussal a ROI megkeresése</a:t>
+            </a:r>
+          </a:p>
+          <a:p>
+            <a:pPr>
+              <a:buFont typeface="Arial" panose="020B0604020202020204" pitchFamily="34" charset="0"/>
+              <a:buChar char="•"/>
+            </a:pPr>
+            <a:r>
+              <a:rPr lang="hu-HU" sz="2800" dirty="0" smtClean="0"/>
+              <a:t>Maximálisan világos pont</a:t>
+            </a:r>
+          </a:p>
+          <a:p>
+            <a:pPr>
+              <a:buFont typeface="Arial" panose="020B0604020202020204" pitchFamily="34" charset="0"/>
+              <a:buChar char="•"/>
+            </a:pPr>
+            <a:r>
+              <a:rPr lang="hu-HU" sz="2800" dirty="0" smtClean="0"/>
+              <a:t>Súlypont számítása</a:t>
+            </a:r>
+            <a:endParaRPr lang="hu-HU" sz="2800" dirty="0"/>
           </a:p>
         </p:txBody>
       </p:sp>
     </p:spTree>
     <p:extLst>
       <p:ext uri="{BB962C8B-B14F-4D97-AF65-F5344CB8AC3E}">
-        <p14:creationId xmlns:p14="http://schemas.microsoft.com/office/powerpoint/2010/main" val="1141550425"/>
+        <p14:creationId xmlns:p14="http://schemas.microsoft.com/office/powerpoint/2010/main" val="1040266139"/>
       </p:ext>
     </p:extLst>
   </p:cSld>
   <p:clrMapOvr>
     <a:masterClrMapping/>
   </p:clrMapOvr>
-  <p:timing>
-    <p:tnLst>
-      <p:par>
-        <p:cTn id="1" dur="indefinite" restart="never" nodeType="tmRoot"/>
-      </p:par>
-    </p:tnLst>
-  </p:timing>
 </p:sld>
 </file>
 
@@ -5733,46 +7592,85 @@
             <p:ph type="title"/>
           </p:nvPr>
         </p:nvSpPr>
-        <p:spPr/>
+        <p:spPr>
+          <a:xfrm>
+            <a:off x="822960" y="111241"/>
+            <a:ext cx="7543800" cy="728004"/>
+          </a:xfrm>
+        </p:spPr>
         <p:txBody>
           <a:bodyPr/>
           <a:lstStyle/>
           <a:p>
             <a:r>
-              <a:rPr lang="hu-HU" dirty="0" err="1" smtClean="0"/>
-              <a:t>OpenCL</a:t>
-            </a:r>
-            <a:r>
               <a:rPr lang="hu-HU" dirty="0" smtClean="0"/>
-              <a:t> memória szintek</a:t>
+              <a:t>Momentum módszer</a:t>
             </a:r>
             <a:endParaRPr lang="hu-HU" dirty="0"/>
           </a:p>
         </p:txBody>
       </p:sp>
-      <p:sp>
-        <p:nvSpPr>
-          <p:cNvPr id="3" name="Tartalom helye 2"/>
-          <p:cNvSpPr>
-            <a:spLocks noGrp="1"/>
-          </p:cNvSpPr>
-          <p:nvPr>
-            <p:ph idx="1"/>
-          </p:nvPr>
-        </p:nvSpPr>
-        <p:spPr/>
-        <p:txBody>
-          <a:bodyPr/>
-          <a:lstStyle/>
-          <a:p>
-            <a:endParaRPr lang="hu-HU"/>
-          </a:p>
-        </p:txBody>
-      </p:sp>
+      <p:pic>
+        <p:nvPicPr>
+          <p:cNvPr id="6" name="Tartalom helye 5"/>
+          <p:cNvPicPr>
+            <a:picLocks noGrp="1" noChangeAspect="1"/>
+          </p:cNvPicPr>
+          <p:nvPr>
+            <p:ph idx="4294967295"/>
+          </p:nvPr>
+        </p:nvPicPr>
+        <p:blipFill rotWithShape="1">
+          <a:blip r:embed="rId2">
+            <a:extLst>
+              <a:ext uri="{28A0092B-C50C-407E-A947-70E740481C1C}">
+                <a14:useLocalDpi xmlns:a14="http://schemas.microsoft.com/office/drawing/2010/main" val="0"/>
+              </a:ext>
+            </a:extLst>
+          </a:blip>
+          <a:srcRect l="9331" t="-988" r="8065" b="3601"/>
+          <a:stretch/>
+        </p:blipFill>
+        <p:spPr>
+          <a:xfrm>
+            <a:off x="112488" y="659950"/>
+            <a:ext cx="9019232" cy="2951478"/>
+          </a:xfrm>
+        </p:spPr>
+      </p:pic>
+      <p:pic>
+        <p:nvPicPr>
+          <p:cNvPr id="7" name="Kép 6"/>
+          <p:cNvPicPr>
+            <a:picLocks noChangeAspect="1"/>
+          </p:cNvPicPr>
+          <p:nvPr/>
+        </p:nvPicPr>
+        <p:blipFill rotWithShape="1">
+          <a:blip r:embed="rId3">
+            <a:extLst>
+              <a:ext uri="{28A0092B-C50C-407E-A947-70E740481C1C}">
+                <a14:useLocalDpi xmlns:a14="http://schemas.microsoft.com/office/drawing/2010/main" val="0"/>
+              </a:ext>
+            </a:extLst>
+          </a:blip>
+          <a:srcRect l="8220" t="844" r="7945" b="2807"/>
+          <a:stretch/>
+        </p:blipFill>
+        <p:spPr>
+          <a:xfrm>
+            <a:off x="0" y="3567216"/>
+            <a:ext cx="9169052" cy="2936494"/>
+          </a:xfrm>
+          <a:prstGeom prst="rect">
+            <a:avLst/>
+          </a:prstGeom>
+        </p:spPr>
+      </p:pic>
     </p:spTree>
     <p:extLst>
       <p:ext uri="{BB962C8B-B14F-4D97-AF65-F5344CB8AC3E}">
-        <p14:creationId xmlns:p14="http://schemas.microsoft.com/office/powerpoint/2010/main" val="1927893044"/>
+        <p14:creationId xmlns:p14="http://schemas.microsoft.com/office/powerpoint/2010/main" val="1067138140"/>
       </p:ext>
     </p:extLst>
   </p:cSld>

--- a/prezi/bakro_diploma1.pptx
+++ b/prezi/bakro_diploma1.pptx
@@ -1,6 +1,6 @@
 
 <file path=ppt/presentation.xml><?xml version="1.0" encoding="utf-8"?>
-<p:presentation xmlns:a="http://schemas.openxmlformats.org/drawingml/2006/main" xmlns:r="http://schemas.openxmlformats.org/officeDocument/2006/relationships" xmlns:p="http://schemas.openxmlformats.org/presentationml/2006/main" saveSubsetFonts="1">
+<p:presentation xmlns:a="http://schemas.openxmlformats.org/drawingml/2006/main" xmlns:r="http://schemas.openxmlformats.org/officeDocument/2006/relationships" xmlns:p="http://schemas.openxmlformats.org/presentationml/2006/main" showSpecialPlsOnTitleSld="0" saveSubsetFonts="1">
   <p:sldMasterIdLst>
     <p:sldMasterId id="2147484074" r:id="rId1"/>
   </p:sldMasterIdLst>
@@ -240,7 +240,7 @@
           <a:p>
             <a:fld id="{8FAC2FA4-B5E6-4971-89DF-50091BB63D99}" type="datetimeFigureOut">
               <a:rPr lang="hu-HU" smtClean="0"/>
-              <a:t>2014.05.21.</a:t>
+              <a:t>2014.05.22.</a:t>
             </a:fld>
             <a:endParaRPr lang="hu-HU"/>
           </a:p>
@@ -405,7 +405,7 @@
           <a:p>
             <a:fld id="{9B3676AD-974B-46C9-A202-91D8AF384AA7}" type="datetimeFigureOut">
               <a:rPr lang="hu-HU" smtClean="0"/>
-              <a:t>2014.05.21.</a:t>
+              <a:t>2014.05.22.</a:t>
             </a:fld>
             <a:endParaRPr lang="hu-HU"/>
           </a:p>
@@ -738,6 +738,90 @@
           <a:p>
             <a:fld id="{367618A9-22FF-4F23-A72F-E96A40E66721}" type="slidenum">
               <a:rPr lang="hu-HU" smtClean="0"/>
+              <a:t>1</a:t>
+            </a:fld>
+            <a:endParaRPr lang="hu-HU"/>
+          </a:p>
+        </p:txBody>
+      </p:sp>
+    </p:spTree>
+    <p:extLst>
+      <p:ext uri="{BB962C8B-B14F-4D97-AF65-F5344CB8AC3E}">
+        <p14:creationId xmlns:p14="http://schemas.microsoft.com/office/powerpoint/2010/main" val="4293625492"/>
+      </p:ext>
+    </p:extLst>
+  </p:cSld>
+  <p:clrMapOvr>
+    <a:masterClrMapping/>
+  </p:clrMapOvr>
+</p:notes>
+</file>
+
+<file path=ppt/notesSlides/notesSlide2.xml><?xml version="1.0" encoding="utf-8"?>
+<p:notes xmlns:a="http://schemas.openxmlformats.org/drawingml/2006/main" xmlns:r="http://schemas.openxmlformats.org/officeDocument/2006/relationships" xmlns:p="http://schemas.openxmlformats.org/presentationml/2006/main">
+  <p:cSld>
+    <p:spTree>
+      <p:nvGrpSpPr>
+        <p:cNvPr id="1" name=""/>
+        <p:cNvGrpSpPr/>
+        <p:nvPr/>
+      </p:nvGrpSpPr>
+      <p:grpSpPr>
+        <a:xfrm>
+          <a:off x="0" y="0"/>
+          <a:ext cx="0" cy="0"/>
+          <a:chOff x="0" y="0"/>
+          <a:chExt cx="0" cy="0"/>
+        </a:xfrm>
+      </p:grpSpPr>
+      <p:sp>
+        <p:nvSpPr>
+          <p:cNvPr id="2" name="Diakép helye 1"/>
+          <p:cNvSpPr>
+            <a:spLocks noGrp="1" noRot="1" noChangeAspect="1"/>
+          </p:cNvSpPr>
+          <p:nvPr>
+            <p:ph type="sldImg"/>
+          </p:nvPr>
+        </p:nvSpPr>
+        <p:spPr/>
+      </p:sp>
+      <p:sp>
+        <p:nvSpPr>
+          <p:cNvPr id="3" name="Jegyzetek helye 2"/>
+          <p:cNvSpPr>
+            <a:spLocks noGrp="1"/>
+          </p:cNvSpPr>
+          <p:nvPr>
+            <p:ph type="body" idx="1"/>
+          </p:nvPr>
+        </p:nvSpPr>
+        <p:spPr/>
+        <p:txBody>
+          <a:bodyPr/>
+          <a:lstStyle/>
+          <a:p>
+            <a:endParaRPr lang="hu-HU"/>
+          </a:p>
+        </p:txBody>
+      </p:sp>
+      <p:sp>
+        <p:nvSpPr>
+          <p:cNvPr id="4" name="Dia számának helye 3"/>
+          <p:cNvSpPr>
+            <a:spLocks noGrp="1"/>
+          </p:cNvSpPr>
+          <p:nvPr>
+            <p:ph type="sldNum" sz="quarter" idx="10"/>
+          </p:nvPr>
+        </p:nvSpPr>
+        <p:spPr/>
+        <p:txBody>
+          <a:bodyPr/>
+          <a:lstStyle/>
+          <a:p>
+            <a:fld id="{367618A9-22FF-4F23-A72F-E96A40E66721}" type="slidenum">
+              <a:rPr lang="hu-HU" smtClean="0"/>
               <a:t>2</a:t>
             </a:fld>
             <a:endParaRPr lang="hu-HU"/>
@@ -1035,9 +1119,9 @@
             </a:lvl1pPr>
           </a:lstStyle>
           <a:p>
-            <a:fld id="{743D1E01-9AD9-47BA-8071-D63F79532349}" type="datetimeFigureOut">
-              <a:rPr lang="hu-HU" smtClean="0"/>
-              <a:t>2014.05.21.</a:t>
+            <a:fld id="{D626512A-00F5-4E2C-A7F3-85B6E1E2F17D}" type="datetime1">
+              <a:rPr lang="hu-HU" smtClean="0"/>
+              <a:t>2014.05.22.</a:t>
             </a:fld>
             <a:endParaRPr lang="hu-HU" dirty="0"/>
           </a:p>
@@ -1244,9 +1328,9 @@
           <a:bodyPr/>
           <a:lstStyle/>
           <a:p>
-            <a:fld id="{743D1E01-9AD9-47BA-8071-D63F79532349}" type="datetimeFigureOut">
-              <a:rPr lang="hu-HU" smtClean="0"/>
-              <a:t>2014.05.21.</a:t>
+            <a:fld id="{CD005DB1-2858-484F-84DF-91FC82440583}" type="datetime1">
+              <a:rPr lang="hu-HU" smtClean="0"/>
+              <a:t>2014.05.22.</a:t>
             </a:fld>
             <a:endParaRPr lang="hu-HU"/>
           </a:p>
@@ -1507,9 +1591,9 @@
           <a:bodyPr/>
           <a:lstStyle/>
           <a:p>
-            <a:fld id="{743D1E01-9AD9-47BA-8071-D63F79532349}" type="datetimeFigureOut">
-              <a:rPr lang="hu-HU" smtClean="0"/>
-              <a:t>2014.05.21.</a:t>
+            <a:fld id="{E6799BC6-09DD-4BD2-A5CA-5AC551DC1EF1}" type="datetime1">
+              <a:rPr lang="hu-HU" smtClean="0"/>
+              <a:t>2014.05.22.</a:t>
             </a:fld>
             <a:endParaRPr lang="hu-HU"/>
           </a:p>
@@ -1689,9 +1773,9 @@
           <a:bodyPr/>
           <a:lstStyle/>
           <a:p>
-            <a:fld id="{743D1E01-9AD9-47BA-8071-D63F79532349}" type="datetimeFigureOut">
-              <a:rPr lang="hu-HU" smtClean="0"/>
-              <a:t>2014.05.21.</a:t>
+            <a:fld id="{EFF70858-AA59-471D-AD86-C95885781D90}" type="datetime1">
+              <a:rPr lang="hu-HU" smtClean="0"/>
+              <a:t>2014.05.22.</a:t>
             </a:fld>
             <a:endParaRPr lang="hu-HU" dirty="0"/>
           </a:p>
@@ -2039,9 +2123,9 @@
           <a:bodyPr/>
           <a:lstStyle/>
           <a:p>
-            <a:fld id="{743D1E01-9AD9-47BA-8071-D63F79532349}" type="datetimeFigureOut">
-              <a:rPr lang="hu-HU" smtClean="0"/>
-              <a:t>2014.05.21.</a:t>
+            <a:fld id="{B3D61097-C526-4986-A31D-E6E3CDE3CFE5}" type="datetime1">
+              <a:rPr lang="hu-HU" smtClean="0"/>
+              <a:t>2014.05.22.</a:t>
             </a:fld>
             <a:endParaRPr lang="hu-HU"/>
           </a:p>
@@ -2321,9 +2405,9 @@
           <a:bodyPr/>
           <a:lstStyle/>
           <a:p>
-            <a:fld id="{743D1E01-9AD9-47BA-8071-D63F79532349}" type="datetimeFigureOut">
-              <a:rPr lang="hu-HU" smtClean="0"/>
-              <a:t>2014.05.21.</a:t>
+            <a:fld id="{F9D442F7-74ED-46F9-9F19-5509300904F8}" type="datetime1">
+              <a:rPr lang="hu-HU" smtClean="0"/>
+              <a:t>2014.05.22.</a:t>
             </a:fld>
             <a:endParaRPr lang="hu-HU"/>
           </a:p>
@@ -2707,9 +2791,9 @@
           <a:bodyPr/>
           <a:lstStyle/>
           <a:p>
-            <a:fld id="{743D1E01-9AD9-47BA-8071-D63F79532349}" type="datetimeFigureOut">
-              <a:rPr lang="hu-HU" smtClean="0"/>
-              <a:t>2014.05.21.</a:t>
+            <a:fld id="{29E3964D-D4E5-4D19-BA92-2B361867E1A2}" type="datetime1">
+              <a:rPr lang="hu-HU" smtClean="0"/>
+              <a:t>2014.05.22.</a:t>
             </a:fld>
             <a:endParaRPr lang="hu-HU"/>
           </a:p>
@@ -2837,9 +2921,9 @@
           <a:bodyPr/>
           <a:lstStyle/>
           <a:p>
-            <a:fld id="{743D1E01-9AD9-47BA-8071-D63F79532349}" type="datetimeFigureOut">
-              <a:rPr lang="hu-HU" smtClean="0"/>
-              <a:t>2014.05.21.</a:t>
+            <a:fld id="{0C7D6286-5C10-4EF7-829C-BFE2F53B83CB}" type="datetime1">
+              <a:rPr lang="hu-HU" smtClean="0"/>
+              <a:t>2014.05.22.</a:t>
             </a:fld>
             <a:endParaRPr lang="hu-HU"/>
           </a:p>
@@ -3015,9 +3099,9 @@
           <a:bodyPr/>
           <a:lstStyle/>
           <a:p>
-            <a:fld id="{743D1E01-9AD9-47BA-8071-D63F79532349}" type="datetimeFigureOut">
-              <a:rPr lang="hu-HU" smtClean="0"/>
-              <a:t>2014.05.21.</a:t>
+            <a:fld id="{3ADE154F-2A12-434D-93D1-9F017C8079D7}" type="datetime1">
+              <a:rPr lang="hu-HU" smtClean="0"/>
+              <a:t>2014.05.22.</a:t>
             </a:fld>
             <a:endParaRPr lang="hu-HU"/>
           </a:p>
@@ -3376,9 +3460,9 @@
             </a:lvl1pPr>
           </a:lstStyle>
           <a:p>
-            <a:fld id="{743D1E01-9AD9-47BA-8071-D63F79532349}" type="datetimeFigureOut">
-              <a:rPr lang="hu-HU" smtClean="0"/>
-              <a:t>2014.05.21.</a:t>
+            <a:fld id="{4A8ADFAF-7513-4C6A-9519-4EB186BA71E0}" type="datetime1">
+              <a:rPr lang="hu-HU" smtClean="0"/>
+              <a:t>2014.05.22.</a:t>
             </a:fld>
             <a:endParaRPr lang="hu-HU"/>
           </a:p>
@@ -3760,9 +3844,9 @@
           <a:bodyPr/>
           <a:lstStyle/>
           <a:p>
-            <a:fld id="{743D1E01-9AD9-47BA-8071-D63F79532349}" type="datetimeFigureOut">
-              <a:rPr lang="hu-HU" smtClean="0"/>
-              <a:t>2014.05.21.</a:t>
+            <a:fld id="{58FA66BA-1C24-47FC-8A7D-46007DDBA352}" type="datetime1">
+              <a:rPr lang="hu-HU" smtClean="0"/>
+              <a:t>2014.05.22.</a:t>
             </a:fld>
             <a:endParaRPr lang="hu-HU"/>
           </a:p>
@@ -4054,9 +4138,9 @@
             </a:lvl1pPr>
           </a:lstStyle>
           <a:p>
-            <a:fld id="{743D1E01-9AD9-47BA-8071-D63F79532349}" type="datetimeFigureOut">
-              <a:rPr lang="hu-HU" smtClean="0"/>
-              <a:t>2014.05.21.</a:t>
+            <a:fld id="{4DE02EF2-D701-4ADB-9E54-DEBFCC73A17E}" type="datetime1">
+              <a:rPr lang="hu-HU" smtClean="0"/>
+              <a:t>2014.05.22.</a:t>
             </a:fld>
             <a:endParaRPr lang="hu-HU" dirty="0"/>
           </a:p>
@@ -4164,6 +4248,7 @@
       </p:par>
     </p:tnLst>
   </p:timing>
+  <p:hf hdr="0" ftr="0" dt="0"/>
   <p:txStyles>
     <p:titleStyle>
       <a:lvl1pPr algn="l" defTabSz="914400" rtl="0" eaLnBrk="1" latinLnBrk="0" hangingPunct="1">
@@ -4747,6 +4832,29 @@
           </a:prstGeom>
         </p:spPr>
       </p:pic>
+      <p:sp>
+        <p:nvSpPr>
+          <p:cNvPr id="3" name="Dia számának helye 2"/>
+          <p:cNvSpPr>
+            <a:spLocks noGrp="1"/>
+          </p:cNvSpPr>
+          <p:nvPr>
+            <p:ph type="sldNum" sz="quarter" idx="12"/>
+          </p:nvPr>
+        </p:nvSpPr>
+        <p:spPr/>
+        <p:txBody>
+          <a:bodyPr/>
+          <a:lstStyle/>
+          <a:p>
+            <a:fld id="{4248F88C-BDD9-444B-BA83-2C9CB8C9E98D}" type="slidenum">
+              <a:rPr lang="hu-HU" smtClean="0"/>
+              <a:t>10</a:t>
+            </a:fld>
+            <a:endParaRPr lang="hu-HU"/>
+          </a:p>
+        </p:txBody>
+      </p:sp>
     </p:spTree>
     <p:extLst>
       <p:ext uri="{BB962C8B-B14F-4D97-AF65-F5344CB8AC3E}">
@@ -4805,11 +4913,7 @@
             </a:r>
             <a:r>
               <a:rPr lang="hu-HU" baseline="0" dirty="0" smtClean="0"/>
-              <a:t> </a:t>
-            </a:r>
-            <a:r>
-              <a:rPr lang="hu-HU" baseline="0" dirty="0" smtClean="0"/>
-              <a:t>architektúrája</a:t>
+              <a:t> architektúrája</a:t>
             </a:r>
             <a:endParaRPr lang="hu-HU" dirty="0"/>
           </a:p>
@@ -5694,6 +5798,29 @@
           </a:graphicData>
         </a:graphic>
       </p:graphicFrame>
+      <p:sp>
+        <p:nvSpPr>
+          <p:cNvPr id="3" name="Dia számának helye 2"/>
+          <p:cNvSpPr>
+            <a:spLocks noGrp="1"/>
+          </p:cNvSpPr>
+          <p:nvPr>
+            <p:ph type="sldNum" sz="quarter" idx="12"/>
+          </p:nvPr>
+        </p:nvSpPr>
+        <p:spPr/>
+        <p:txBody>
+          <a:bodyPr/>
+          <a:lstStyle/>
+          <a:p>
+            <a:fld id="{4248F88C-BDD9-444B-BA83-2C9CB8C9E98D}" type="slidenum">
+              <a:rPr lang="hu-HU" smtClean="0"/>
+              <a:t>11</a:t>
+            </a:fld>
+            <a:endParaRPr lang="hu-HU"/>
+          </a:p>
+        </p:txBody>
+      </p:sp>
     </p:spTree>
     <p:extLst>
       <p:ext uri="{BB962C8B-B14F-4D97-AF65-F5344CB8AC3E}">
@@ -5799,6 +5926,29 @@
           </a:xfrm>
         </p:spPr>
       </p:pic>
+      <p:sp>
+        <p:nvSpPr>
+          <p:cNvPr id="3" name="Dia számának helye 2"/>
+          <p:cNvSpPr>
+            <a:spLocks noGrp="1"/>
+          </p:cNvSpPr>
+          <p:nvPr>
+            <p:ph type="sldNum" sz="quarter" idx="12"/>
+          </p:nvPr>
+        </p:nvSpPr>
+        <p:spPr/>
+        <p:txBody>
+          <a:bodyPr/>
+          <a:lstStyle/>
+          <a:p>
+            <a:fld id="{4248F88C-BDD9-444B-BA83-2C9CB8C9E98D}" type="slidenum">
+              <a:rPr lang="hu-HU" smtClean="0"/>
+              <a:t>12</a:t>
+            </a:fld>
+            <a:endParaRPr lang="hu-HU"/>
+          </a:p>
+        </p:txBody>
+      </p:sp>
     </p:spTree>
     <p:extLst>
       <p:ext uri="{BB962C8B-B14F-4D97-AF65-F5344CB8AC3E}">
@@ -5950,6 +6100,29 @@
           </a:p>
         </p:txBody>
       </p:sp>
+      <p:sp>
+        <p:nvSpPr>
+          <p:cNvPr id="4" name="Dia számának helye 3"/>
+          <p:cNvSpPr>
+            <a:spLocks noGrp="1"/>
+          </p:cNvSpPr>
+          <p:nvPr>
+            <p:ph type="sldNum" sz="quarter" idx="12"/>
+          </p:nvPr>
+        </p:nvSpPr>
+        <p:spPr/>
+        <p:txBody>
+          <a:bodyPr/>
+          <a:lstStyle/>
+          <a:p>
+            <a:fld id="{4248F88C-BDD9-444B-BA83-2C9CB8C9E98D}" type="slidenum">
+              <a:rPr lang="hu-HU" smtClean="0"/>
+              <a:t>13</a:t>
+            </a:fld>
+            <a:endParaRPr lang="hu-HU"/>
+          </a:p>
+        </p:txBody>
+      </p:sp>
     </p:spTree>
     <p:extLst>
       <p:ext uri="{BB962C8B-B14F-4D97-AF65-F5344CB8AC3E}">
@@ -6151,6 +6324,29 @@
           </a:p>
         </p:txBody>
       </p:sp>
+      <p:sp>
+        <p:nvSpPr>
+          <p:cNvPr id="4" name="Dia számának helye 3"/>
+          <p:cNvSpPr>
+            <a:spLocks noGrp="1"/>
+          </p:cNvSpPr>
+          <p:nvPr>
+            <p:ph type="sldNum" sz="quarter" idx="12"/>
+          </p:nvPr>
+        </p:nvSpPr>
+        <p:spPr/>
+        <p:txBody>
+          <a:bodyPr/>
+          <a:lstStyle/>
+          <a:p>
+            <a:fld id="{4248F88C-BDD9-444B-BA83-2C9CB8C9E98D}" type="slidenum">
+              <a:rPr lang="hu-HU" smtClean="0"/>
+              <a:t>14</a:t>
+            </a:fld>
+            <a:endParaRPr lang="hu-HU"/>
+          </a:p>
+        </p:txBody>
+      </p:sp>
     </p:spTree>
     <p:extLst>
       <p:ext uri="{BB962C8B-B14F-4D97-AF65-F5344CB8AC3E}">
@@ -6237,6 +6433,29 @@
           </a:prstGeom>
         </p:spPr>
       </p:pic>
+      <p:sp>
+        <p:nvSpPr>
+          <p:cNvPr id="3" name="Dia számának helye 2"/>
+          <p:cNvSpPr>
+            <a:spLocks noGrp="1"/>
+          </p:cNvSpPr>
+          <p:nvPr>
+            <p:ph type="sldNum" sz="quarter" idx="12"/>
+          </p:nvPr>
+        </p:nvSpPr>
+        <p:spPr/>
+        <p:txBody>
+          <a:bodyPr/>
+          <a:lstStyle/>
+          <a:p>
+            <a:fld id="{4248F88C-BDD9-444B-BA83-2C9CB8C9E98D}" type="slidenum">
+              <a:rPr lang="hu-HU" smtClean="0"/>
+              <a:t>15</a:t>
+            </a:fld>
+            <a:endParaRPr lang="hu-HU"/>
+          </a:p>
+        </p:txBody>
+      </p:sp>
     </p:spTree>
     <p:extLst>
       <p:ext uri="{BB962C8B-B14F-4D97-AF65-F5344CB8AC3E}">
@@ -6462,6 +6681,29 @@
               <a:buChar char="•"/>
             </a:pPr>
             <a:endParaRPr lang="hu-HU" sz="2800" dirty="0"/>
+          </a:p>
+        </p:txBody>
+      </p:sp>
+      <p:sp>
+        <p:nvSpPr>
+          <p:cNvPr id="4" name="Dia számának helye 3"/>
+          <p:cNvSpPr>
+            <a:spLocks noGrp="1"/>
+          </p:cNvSpPr>
+          <p:nvPr>
+            <p:ph type="sldNum" sz="quarter" idx="12"/>
+          </p:nvPr>
+        </p:nvSpPr>
+        <p:spPr/>
+        <p:txBody>
+          <a:bodyPr/>
+          <a:lstStyle/>
+          <a:p>
+            <a:fld id="{4248F88C-BDD9-444B-BA83-2C9CB8C9E98D}" type="slidenum">
+              <a:rPr lang="hu-HU" smtClean="0"/>
+              <a:t>16</a:t>
+            </a:fld>
+            <a:endParaRPr lang="hu-HU"/>
           </a:p>
         </p:txBody>
       </p:sp>
@@ -6585,15 +6827,7 @@
                 </a:pPr>
                 <a:r>
                   <a:rPr lang="hu-HU" sz="2000" dirty="0" smtClean="0"/>
-                  <a:t>Alacson</a:t>
-                </a:r>
-                <a:r>
-                  <a:rPr lang="hu-HU" sz="2000" dirty="0" smtClean="0"/>
-                  <a:t>y nyomású i</a:t>
-                </a:r>
-                <a:r>
-                  <a:rPr lang="hu-HU" sz="2000" dirty="0" smtClean="0"/>
-                  <a:t>onizált nemesgáz</a:t>
+                  <a:t>Alacsony nyomású ionizált nemesgáz</a:t>
                 </a:r>
               </a:p>
               <a:p>
@@ -6605,7 +6839,6 @@
                   <a:rPr lang="hu-HU" sz="2000" dirty="0" smtClean="0"/>
                   <a:t>RF gerjesztés</a:t>
                 </a:r>
-                <a:endParaRPr lang="hu-HU" sz="2000" dirty="0" smtClean="0"/>
               </a:p>
               <a:p>
                 <a:pPr marL="285750" indent="-285750">
@@ -6614,7 +6847,11 @@
                 </a:pPr>
                 <a:r>
                   <a:rPr lang="hu-HU" sz="2000" dirty="0" smtClean="0"/>
-                  <a:t>A plazmába szórt porrészecskék</a:t>
+                  <a:t>Plazmába </a:t>
+                </a:r>
+                <a:r>
+                  <a:rPr lang="hu-HU" sz="2000" dirty="0" smtClean="0"/>
+                  <a:t>szórt porrészecskék</a:t>
                 </a:r>
               </a:p>
               <a:p>
@@ -6763,6 +7000,29 @@
           </a:prstGeom>
         </p:spPr>
       </p:pic>
+      <p:sp>
+        <p:nvSpPr>
+          <p:cNvPr id="3" name="Dia számának helye 2"/>
+          <p:cNvSpPr>
+            <a:spLocks noGrp="1"/>
+          </p:cNvSpPr>
+          <p:nvPr>
+            <p:ph type="sldNum" sz="quarter" idx="12"/>
+          </p:nvPr>
+        </p:nvSpPr>
+        <p:spPr/>
+        <p:txBody>
+          <a:bodyPr/>
+          <a:lstStyle/>
+          <a:p>
+            <a:fld id="{4248F88C-BDD9-444B-BA83-2C9CB8C9E98D}" type="slidenum">
+              <a:rPr lang="hu-HU" smtClean="0"/>
+              <a:t>2</a:t>
+            </a:fld>
+            <a:endParaRPr lang="hu-HU"/>
+          </a:p>
+        </p:txBody>
+      </p:sp>
     </p:spTree>
     <p:extLst>
       <p:ext uri="{BB962C8B-B14F-4D97-AF65-F5344CB8AC3E}">
@@ -6817,11 +7077,7 @@
           <a:p>
             <a:r>
               <a:rPr lang="hu-HU" dirty="0" smtClean="0"/>
-              <a:t>A </a:t>
-            </a:r>
-            <a:r>
-              <a:rPr lang="hu-HU" dirty="0" smtClean="0"/>
-              <a:t>kísérlet</a:t>
+              <a:t>A kísérlet</a:t>
             </a:r>
             <a:endParaRPr lang="hu-HU" dirty="0"/>
           </a:p>
@@ -6852,7 +7108,11 @@
             </a:r>
             <a:r>
               <a:rPr lang="hu-HU" dirty="0" smtClean="0"/>
-              <a:t>, középvákuum szivattyú</a:t>
+              <a:t>, </a:t>
+            </a:r>
+            <a:r>
+              <a:rPr lang="hu-HU" dirty="0" smtClean="0"/>
+              <a:t>középvákuum szivattyú</a:t>
             </a:r>
           </a:p>
           <a:p>
@@ -6926,6 +7186,29 @@
           </a:xfrm>
         </p:spPr>
       </p:pic>
+      <p:sp>
+        <p:nvSpPr>
+          <p:cNvPr id="3" name="Dia számának helye 2"/>
+          <p:cNvSpPr>
+            <a:spLocks noGrp="1"/>
+          </p:cNvSpPr>
+          <p:nvPr>
+            <p:ph type="sldNum" sz="quarter" idx="12"/>
+          </p:nvPr>
+        </p:nvSpPr>
+        <p:spPr/>
+        <p:txBody>
+          <a:bodyPr/>
+          <a:lstStyle/>
+          <a:p>
+            <a:fld id="{4248F88C-BDD9-444B-BA83-2C9CB8C9E98D}" type="slidenum">
+              <a:rPr lang="hu-HU" smtClean="0"/>
+              <a:t>3</a:t>
+            </a:fld>
+            <a:endParaRPr lang="hu-HU"/>
+          </a:p>
+        </p:txBody>
+      </p:sp>
     </p:spTree>
     <p:extLst>
       <p:ext uri="{BB962C8B-B14F-4D97-AF65-F5344CB8AC3E}">
@@ -7022,6 +7305,29 @@
           </a:p>
         </p:txBody>
       </p:sp>
+      <p:sp>
+        <p:nvSpPr>
+          <p:cNvPr id="2" name="Dia számának helye 1"/>
+          <p:cNvSpPr>
+            <a:spLocks noGrp="1"/>
+          </p:cNvSpPr>
+          <p:nvPr>
+            <p:ph type="sldNum" sz="quarter" idx="12"/>
+          </p:nvPr>
+        </p:nvSpPr>
+        <p:spPr/>
+        <p:txBody>
+          <a:bodyPr/>
+          <a:lstStyle/>
+          <a:p>
+            <a:fld id="{4248F88C-BDD9-444B-BA83-2C9CB8C9E98D}" type="slidenum">
+              <a:rPr lang="hu-HU" smtClean="0"/>
+              <a:t>4</a:t>
+            </a:fld>
+            <a:endParaRPr lang="hu-HU" dirty="0"/>
+          </a:p>
+        </p:txBody>
+      </p:sp>
     </p:spTree>
     <p:extLst>
       <p:ext uri="{BB962C8B-B14F-4D97-AF65-F5344CB8AC3E}">
@@ -7118,6 +7424,29 @@
           </a:p>
         </p:txBody>
       </p:sp>
+      <p:sp>
+        <p:nvSpPr>
+          <p:cNvPr id="2" name="Dia számának helye 1"/>
+          <p:cNvSpPr>
+            <a:spLocks noGrp="1"/>
+          </p:cNvSpPr>
+          <p:nvPr>
+            <p:ph type="sldNum" sz="quarter" idx="12"/>
+          </p:nvPr>
+        </p:nvSpPr>
+        <p:spPr/>
+        <p:txBody>
+          <a:bodyPr/>
+          <a:lstStyle/>
+          <a:p>
+            <a:fld id="{4248F88C-BDD9-444B-BA83-2C9CB8C9E98D}" type="slidenum">
+              <a:rPr lang="hu-HU" smtClean="0"/>
+              <a:t>5</a:t>
+            </a:fld>
+            <a:endParaRPr lang="hu-HU"/>
+          </a:p>
+        </p:txBody>
+      </p:sp>
     </p:spTree>
     <p:extLst>
       <p:ext uri="{BB962C8B-B14F-4D97-AF65-F5344CB8AC3E}">
@@ -7251,7 +7580,15 @@
             </a:pPr>
             <a:r>
               <a:rPr lang="hu-HU" sz="2600" dirty="0" smtClean="0"/>
-              <a:t>Fényképezés okozta részletkülönbség problémája</a:t>
+              <a:t>Fényképezés okozta </a:t>
+            </a:r>
+            <a:r>
+              <a:rPr lang="hu-HU" sz="2600" dirty="0" smtClean="0"/>
+              <a:t>részletesség-különbség </a:t>
+            </a:r>
+            <a:r>
+              <a:rPr lang="hu-HU" sz="2600" dirty="0" smtClean="0"/>
+              <a:t>problémája</a:t>
             </a:r>
           </a:p>
           <a:p>
@@ -7284,6 +7621,29 @@
               <a:buChar char="•"/>
             </a:pPr>
             <a:endParaRPr lang="hu-HU" sz="2800" dirty="0"/>
+          </a:p>
+        </p:txBody>
+      </p:sp>
+      <p:sp>
+        <p:nvSpPr>
+          <p:cNvPr id="4" name="Dia számának helye 3"/>
+          <p:cNvSpPr>
+            <a:spLocks noGrp="1"/>
+          </p:cNvSpPr>
+          <p:nvPr>
+            <p:ph type="sldNum" sz="quarter" idx="12"/>
+          </p:nvPr>
+        </p:nvSpPr>
+        <p:spPr/>
+        <p:txBody>
+          <a:bodyPr/>
+          <a:lstStyle/>
+          <a:p>
+            <a:fld id="{4248F88C-BDD9-444B-BA83-2C9CB8C9E98D}" type="slidenum">
+              <a:rPr lang="hu-HU" smtClean="0"/>
+              <a:t>6</a:t>
+            </a:fld>
+            <a:endParaRPr lang="hu-HU"/>
           </a:p>
         </p:txBody>
       </p:sp>
@@ -7413,6 +7773,29 @@
           </a:prstGeom>
         </p:spPr>
       </p:pic>
+      <p:sp>
+        <p:nvSpPr>
+          <p:cNvPr id="2" name="Dia számának helye 1"/>
+          <p:cNvSpPr>
+            <a:spLocks noGrp="1"/>
+          </p:cNvSpPr>
+          <p:nvPr>
+            <p:ph type="sldNum" sz="quarter" idx="12"/>
+          </p:nvPr>
+        </p:nvSpPr>
+        <p:spPr/>
+        <p:txBody>
+          <a:bodyPr/>
+          <a:lstStyle/>
+          <a:p>
+            <a:fld id="{4248F88C-BDD9-444B-BA83-2C9CB8C9E98D}" type="slidenum">
+              <a:rPr lang="hu-HU" smtClean="0"/>
+              <a:t>7</a:t>
+            </a:fld>
+            <a:endParaRPr lang="hu-HU"/>
+          </a:p>
+        </p:txBody>
+      </p:sp>
     </p:spTree>
     <p:extLst>
       <p:ext uri="{BB962C8B-B14F-4D97-AF65-F5344CB8AC3E}">
@@ -7549,6 +7932,29 @@
               <a:t>Súlypont számítása</a:t>
             </a:r>
             <a:endParaRPr lang="hu-HU" sz="2800" dirty="0"/>
+          </a:p>
+        </p:txBody>
+      </p:sp>
+      <p:sp>
+        <p:nvSpPr>
+          <p:cNvPr id="4" name="Dia számának helye 3"/>
+          <p:cNvSpPr>
+            <a:spLocks noGrp="1"/>
+          </p:cNvSpPr>
+          <p:nvPr>
+            <p:ph type="sldNum" sz="quarter" idx="12"/>
+          </p:nvPr>
+        </p:nvSpPr>
+        <p:spPr/>
+        <p:txBody>
+          <a:bodyPr/>
+          <a:lstStyle/>
+          <a:p>
+            <a:fld id="{4248F88C-BDD9-444B-BA83-2C9CB8C9E98D}" type="slidenum">
+              <a:rPr lang="hu-HU" smtClean="0"/>
+              <a:t>8</a:t>
+            </a:fld>
+            <a:endParaRPr lang="hu-HU"/>
           </a:p>
         </p:txBody>
       </p:sp>
@@ -7667,6 +8073,29 @@
           </a:prstGeom>
         </p:spPr>
       </p:pic>
+      <p:sp>
+        <p:nvSpPr>
+          <p:cNvPr id="3" name="Dia számának helye 2"/>
+          <p:cNvSpPr>
+            <a:spLocks noGrp="1"/>
+          </p:cNvSpPr>
+          <p:nvPr>
+            <p:ph type="sldNum" sz="quarter" idx="12"/>
+          </p:nvPr>
+        </p:nvSpPr>
+        <p:spPr/>
+        <p:txBody>
+          <a:bodyPr/>
+          <a:lstStyle/>
+          <a:p>
+            <a:fld id="{4248F88C-BDD9-444B-BA83-2C9CB8C9E98D}" type="slidenum">
+              <a:rPr lang="hu-HU" smtClean="0"/>
+              <a:t>9</a:t>
+            </a:fld>
+            <a:endParaRPr lang="hu-HU"/>
+          </a:p>
+        </p:txBody>
+      </p:sp>
     </p:spTree>
     <p:extLst>
       <p:ext uri="{BB962C8B-B14F-4D97-AF65-F5344CB8AC3E}">
